--- a/Tyrimo pristatymas_žodžiu_Sidas_Dieliautas_PI22B.pptx
+++ b/Tyrimo pristatymas_žodžiu_Sidas_Dieliautas_PI22B.pptx
@@ -9,24 +9,25 @@
     <p:sldId id="257" r:id="rId6"/>
     <p:sldId id="265" r:id="rId7"/>
     <p:sldId id="258" r:id="rId8"/>
-    <p:sldId id="259" r:id="rId9"/>
-    <p:sldId id="266" r:id="rId10"/>
-    <p:sldId id="267" r:id="rId11"/>
-    <p:sldId id="268" r:id="rId12"/>
-    <p:sldId id="269" r:id="rId13"/>
-    <p:sldId id="261" r:id="rId14"/>
-    <p:sldId id="270" r:id="rId15"/>
-    <p:sldId id="272" r:id="rId16"/>
-    <p:sldId id="273" r:id="rId17"/>
-    <p:sldId id="274" r:id="rId18"/>
-    <p:sldId id="260" r:id="rId19"/>
-    <p:sldId id="275" r:id="rId20"/>
-    <p:sldId id="276" r:id="rId21"/>
-    <p:sldId id="277" r:id="rId22"/>
-    <p:sldId id="278" r:id="rId23"/>
-    <p:sldId id="279" r:id="rId24"/>
-    <p:sldId id="262" r:id="rId25"/>
-    <p:sldId id="263" r:id="rId26"/>
+    <p:sldId id="280" r:id="rId9"/>
+    <p:sldId id="259" r:id="rId10"/>
+    <p:sldId id="266" r:id="rId11"/>
+    <p:sldId id="267" r:id="rId12"/>
+    <p:sldId id="268" r:id="rId13"/>
+    <p:sldId id="269" r:id="rId14"/>
+    <p:sldId id="261" r:id="rId15"/>
+    <p:sldId id="270" r:id="rId16"/>
+    <p:sldId id="272" r:id="rId17"/>
+    <p:sldId id="273" r:id="rId18"/>
+    <p:sldId id="274" r:id="rId19"/>
+    <p:sldId id="260" r:id="rId20"/>
+    <p:sldId id="275" r:id="rId21"/>
+    <p:sldId id="276" r:id="rId22"/>
+    <p:sldId id="277" r:id="rId23"/>
+    <p:sldId id="278" r:id="rId24"/>
+    <p:sldId id="279" r:id="rId25"/>
+    <p:sldId id="262" r:id="rId26"/>
+    <p:sldId id="263" r:id="rId27"/>
   </p:sldIdLst>
   <p:sldSz cx="12192000" cy="6858000"/>
   <p:notesSz cx="6858000" cy="9144000"/>
@@ -3448,6 +3449,113 @@
           <p:cNvPr id="2" name="Title 1">
             <a:extLst>
               <a:ext uri="{FF2B5EF4-FFF2-40B4-BE49-F238E27FC236}">
+                <a16:creationId xmlns:a16="http://schemas.microsoft.com/office/drawing/2014/main" id="{570FE732-1725-4D05-BE05-C107A774F74D}"/>
+              </a:ext>
+            </a:extLst>
+          </p:cNvPr>
+          <p:cNvSpPr>
+            <a:spLocks noGrp="1"/>
+          </p:cNvSpPr>
+          <p:nvPr>
+            <p:ph type="title"/>
+          </p:nvPr>
+        </p:nvSpPr>
+        <p:spPr>
+          <a:xfrm>
+            <a:off x="838199" y="365125"/>
+            <a:ext cx="10596073" cy="1325563"/>
+          </a:xfrm>
+        </p:spPr>
+        <p:txBody>
+          <a:bodyPr/>
+          <a:lstStyle/>
+          <a:p>
+            <a:r>
+              <a:rPr lang="lt-LT" dirty="0">
+                <a:effectLst/>
+                <a:ea typeface="Calibri" panose="020F0502020204030204" pitchFamily="34" charset="0"/>
+                <a:cs typeface="Arial" panose="020B0604020202020204" pitchFamily="34" charset="0"/>
+              </a:rPr>
+              <a:t>An Inventory of AI ethics: Analyzing 100 documents: </a:t>
+            </a:r>
+            <a:r>
+              <a:rPr lang="lt-LT" dirty="0">
+                <a:ea typeface="Calibri" panose="020F0502020204030204" pitchFamily="34" charset="0"/>
+                <a:cs typeface="Arial" panose="020B0604020202020204" pitchFamily="34" charset="0"/>
+              </a:rPr>
+              <a:t>Etika</a:t>
+            </a:r>
+            <a:endParaRPr lang="en-US" dirty="0"/>
+          </a:p>
+        </p:txBody>
+      </p:sp>
+      <p:sp>
+        <p:nvSpPr>
+          <p:cNvPr id="3" name="Content Placeholder 2">
+            <a:extLst>
+              <a:ext uri="{FF2B5EF4-FFF2-40B4-BE49-F238E27FC236}">
+                <a16:creationId xmlns:a16="http://schemas.microsoft.com/office/drawing/2014/main" id="{6F76D30B-D66B-43CA-8706-360DEEE2BB85}"/>
+              </a:ext>
+            </a:extLst>
+          </p:cNvPr>
+          <p:cNvSpPr>
+            <a:spLocks noGrp="1"/>
+          </p:cNvSpPr>
+          <p:nvPr>
+            <p:ph idx="1"/>
+          </p:nvPr>
+        </p:nvSpPr>
+        <p:spPr/>
+        <p:txBody>
+          <a:bodyPr/>
+          <a:lstStyle/>
+          <a:p>
+            <a:pPr marL="0" indent="0">
+              <a:buNone/>
+            </a:pPr>
+            <a:r>
+              <a:rPr lang="lt-LT" dirty="0"/>
+              <a:t>AI plėtra kelia etinių problemų, svarbu užtikrinti, kad AI būtų naudojamas atsakingai, laikantis etikos principų ir normų, siekiant apsaugoti individų teises ir laisves.</a:t>
+            </a:r>
+            <a:endParaRPr lang="en-US" dirty="0"/>
+          </a:p>
+        </p:txBody>
+      </p:sp>
+    </p:spTree>
+    <p:extLst>
+      <p:ext uri="{BB962C8B-B14F-4D97-AF65-F5344CB8AC3E}">
+        <p14:creationId xmlns:p14="http://schemas.microsoft.com/office/powerpoint/2010/main" val="2667031290"/>
+      </p:ext>
+    </p:extLst>
+  </p:cSld>
+  <p:clrMapOvr>
+    <a:masterClrMapping/>
+  </p:clrMapOvr>
+</p:sld>
+</file>
+
+<file path=ppt/slides/slide11.xml><?xml version="1.0" encoding="utf-8"?>
+<p:sld xmlns:a="http://schemas.openxmlformats.org/drawingml/2006/main" xmlns:r="http://schemas.openxmlformats.org/officeDocument/2006/relationships" xmlns:p="http://schemas.openxmlformats.org/presentationml/2006/main">
+  <p:cSld>
+    <p:spTree>
+      <p:nvGrpSpPr>
+        <p:cNvPr id="1" name=""/>
+        <p:cNvGrpSpPr/>
+        <p:nvPr/>
+      </p:nvGrpSpPr>
+      <p:grpSpPr>
+        <a:xfrm>
+          <a:off x="0" y="0"/>
+          <a:ext cx="0" cy="0"/>
+          <a:chOff x="0" y="0"/>
+          <a:chExt cx="0" cy="0"/>
+        </a:xfrm>
+      </p:grpSpPr>
+      <p:sp>
+        <p:nvSpPr>
+          <p:cNvPr id="2" name="Title 1">
+            <a:extLst>
+              <a:ext uri="{FF2B5EF4-FFF2-40B4-BE49-F238E27FC236}">
                 <a16:creationId xmlns:a16="http://schemas.microsoft.com/office/drawing/2014/main" id="{F893FFAD-9593-4E16-92F6-5B9F8029C453}"/>
               </a:ext>
             </a:extLst>
@@ -3547,7 +3655,7 @@
 </p:sld>
 </file>
 
-<file path=ppt/slides/slide11.xml><?xml version="1.0" encoding="utf-8"?>
+<file path=ppt/slides/slide12.xml><?xml version="1.0" encoding="utf-8"?>
 <p:sld xmlns:a="http://schemas.openxmlformats.org/drawingml/2006/main" xmlns:r="http://schemas.openxmlformats.org/officeDocument/2006/relationships" xmlns:p="http://schemas.openxmlformats.org/presentationml/2006/main">
   <p:cSld>
     <p:spTree>
@@ -3704,172 +3812,6 @@
     <p:extLst>
       <p:ext uri="{BB962C8B-B14F-4D97-AF65-F5344CB8AC3E}">
         <p14:creationId xmlns:p14="http://schemas.microsoft.com/office/powerpoint/2010/main" val="1911983269"/>
-      </p:ext>
-    </p:extLst>
-  </p:cSld>
-  <p:clrMapOvr>
-    <a:masterClrMapping/>
-  </p:clrMapOvr>
-</p:sld>
-</file>
-
-<file path=ppt/slides/slide12.xml><?xml version="1.0" encoding="utf-8"?>
-<p:sld xmlns:a="http://schemas.openxmlformats.org/drawingml/2006/main" xmlns:r="http://schemas.openxmlformats.org/officeDocument/2006/relationships" xmlns:p="http://schemas.openxmlformats.org/presentationml/2006/main">
-  <p:cSld>
-    <p:spTree>
-      <p:nvGrpSpPr>
-        <p:cNvPr id="1" name=""/>
-        <p:cNvGrpSpPr/>
-        <p:nvPr/>
-      </p:nvGrpSpPr>
-      <p:grpSpPr>
-        <a:xfrm>
-          <a:off x="0" y="0"/>
-          <a:ext cx="0" cy="0"/>
-          <a:chOff x="0" y="0"/>
-          <a:chExt cx="0" cy="0"/>
-        </a:xfrm>
-      </p:grpSpPr>
-      <p:pic>
-        <p:nvPicPr>
-          <p:cNvPr id="6" name="Picture 5">
-            <a:extLst>
-              <a:ext uri="{FF2B5EF4-FFF2-40B4-BE49-F238E27FC236}">
-                <a16:creationId xmlns:a16="http://schemas.microsoft.com/office/drawing/2014/main" id="{CFAA9644-DD65-43A5-BC37-0C0F12DC9D5A}"/>
-              </a:ext>
-            </a:extLst>
-          </p:cNvPr>
-          <p:cNvPicPr>
-            <a:picLocks noChangeAspect="1"/>
-          </p:cNvPicPr>
-          <p:nvPr/>
-        </p:nvPicPr>
-        <p:blipFill>
-          <a:blip r:embed="rId2"/>
-          <a:stretch>
-            <a:fillRect/>
-          </a:stretch>
-        </p:blipFill>
-        <p:spPr>
-          <a:xfrm>
-            <a:off x="5325697" y="0"/>
-            <a:ext cx="6866303" cy="6858000"/>
-          </a:xfrm>
-          <a:prstGeom prst="rect">
-            <a:avLst/>
-          </a:prstGeom>
-          <a:ln>
-            <a:noFill/>
-          </a:ln>
-          <a:effectLst>
-            <a:softEdge rad="112500"/>
-          </a:effectLst>
-        </p:spPr>
-      </p:pic>
-      <p:sp>
-        <p:nvSpPr>
-          <p:cNvPr id="2" name="Title 1">
-            <a:extLst>
-              <a:ext uri="{FF2B5EF4-FFF2-40B4-BE49-F238E27FC236}">
-                <a16:creationId xmlns:a16="http://schemas.microsoft.com/office/drawing/2014/main" id="{F893FFAD-9593-4E16-92F6-5B9F8029C453}"/>
-              </a:ext>
-            </a:extLst>
-          </p:cNvPr>
-          <p:cNvSpPr>
-            <a:spLocks noGrp="1"/>
-          </p:cNvSpPr>
-          <p:nvPr>
-            <p:ph type="title"/>
-          </p:nvPr>
-        </p:nvSpPr>
-        <p:spPr/>
-        <p:style>
-          <a:lnRef idx="2">
-            <a:schemeClr val="dk1"/>
-          </a:lnRef>
-          <a:fillRef idx="1">
-            <a:schemeClr val="lt1"/>
-          </a:fillRef>
-          <a:effectRef idx="0">
-            <a:schemeClr val="dk1"/>
-          </a:effectRef>
-          <a:fontRef idx="minor">
-            <a:schemeClr val="dk1"/>
-          </a:fontRef>
-        </p:style>
-        <p:txBody>
-          <a:bodyPr>
-            <a:normAutofit/>
-          </a:bodyPr>
-          <a:lstStyle/>
-          <a:p>
-            <a:r>
-              <a:rPr lang="lt-LT" b="1" kern="0" dirty="0">
-                <a:effectLst/>
-                <a:ea typeface="Times New Roman" panose="02020603050405020304" pitchFamily="18" charset="0"/>
-                <a:cs typeface="Arial" panose="020B0604020202020204" pitchFamily="34" charset="0"/>
-              </a:rPr>
-              <a:t>AI Replacing Jobs Statistics: The Impact on Employment in 2024: Poveikis darbui</a:t>
-            </a:r>
-            <a:endParaRPr lang="en-US" dirty="0"/>
-          </a:p>
-        </p:txBody>
-      </p:sp>
-      <p:sp>
-        <p:nvSpPr>
-          <p:cNvPr id="3" name="Content Placeholder 2">
-            <a:extLst>
-              <a:ext uri="{FF2B5EF4-FFF2-40B4-BE49-F238E27FC236}">
-                <a16:creationId xmlns:a16="http://schemas.microsoft.com/office/drawing/2014/main" id="{B962DB30-794C-45D8-8AE6-E20B7E67440E}"/>
-              </a:ext>
-            </a:extLst>
-          </p:cNvPr>
-          <p:cNvSpPr>
-            <a:spLocks noGrp="1"/>
-          </p:cNvSpPr>
-          <p:nvPr>
-            <p:ph idx="1"/>
-          </p:nvPr>
-        </p:nvSpPr>
-        <p:spPr>
-          <a:xfrm>
-            <a:off x="838200" y="1825626"/>
-            <a:ext cx="7895602" cy="1438868"/>
-          </a:xfrm>
-        </p:spPr>
-        <p:style>
-          <a:lnRef idx="2">
-            <a:schemeClr val="dk1"/>
-          </a:lnRef>
-          <a:fillRef idx="1">
-            <a:schemeClr val="lt1"/>
-          </a:fillRef>
-          <a:effectRef idx="0">
-            <a:schemeClr val="dk1"/>
-          </a:effectRef>
-          <a:fontRef idx="minor">
-            <a:schemeClr val="dk1"/>
-          </a:fontRef>
-        </p:style>
-        <p:txBody>
-          <a:bodyPr/>
-          <a:lstStyle/>
-          <a:p>
-            <a:pPr marL="0" indent="0">
-              <a:buNone/>
-            </a:pPr>
-            <a:r>
-              <a:rPr lang="lt-LT" dirty="0"/>
-              <a:t>14% darbuotojų jau prarado darbo vietas dėl AI. 2023 metų gegužę JAV buvo prarasta 3,900 darbo vietų dėl AI.</a:t>
-            </a:r>
-            <a:endParaRPr lang="en-US" dirty="0"/>
-          </a:p>
-        </p:txBody>
-      </p:sp>
-    </p:spTree>
-    <p:extLst>
-      <p:ext uri="{BB962C8B-B14F-4D97-AF65-F5344CB8AC3E}">
-        <p14:creationId xmlns:p14="http://schemas.microsoft.com/office/powerpoint/2010/main" val="1647421951"/>
       </p:ext>
     </p:extLst>
   </p:cSld>
@@ -3999,8 +3941,8 @@
         </p:nvSpPr>
         <p:spPr>
           <a:xfrm>
-            <a:off x="838200" y="1825625"/>
-            <a:ext cx="7895602" cy="1071399"/>
+            <a:off x="838200" y="1825626"/>
+            <a:ext cx="7895602" cy="1438868"/>
           </a:xfrm>
         </p:spPr>
         <p:style>
@@ -4026,7 +3968,7 @@
             </a:pPr>
             <a:r>
               <a:rPr lang="lt-LT" dirty="0"/>
-              <a:t>AI daugiausiai paveikia išsilavinusius darbuotojus uždirbančius iki 80,000 dolerių per metus. </a:t>
+              <a:t>14% darbuotojų jau prarado darbo vietas dėl AI. 2023 metų gegužę JAV buvo prarasta 3,900 darbo vietų dėl AI.</a:t>
             </a:r>
             <a:endParaRPr lang="en-US" dirty="0"/>
           </a:p>
@@ -4035,7 +3977,7 @@
     </p:spTree>
     <p:extLst>
       <p:ext uri="{BB962C8B-B14F-4D97-AF65-F5344CB8AC3E}">
-        <p14:creationId xmlns:p14="http://schemas.microsoft.com/office/powerpoint/2010/main" val="3759580169"/>
+        <p14:creationId xmlns:p14="http://schemas.microsoft.com/office/powerpoint/2010/main" val="1647421951"/>
       </p:ext>
     </p:extLst>
   </p:cSld>
@@ -4165,8 +4107,8 @@
         </p:nvSpPr>
         <p:spPr>
           <a:xfrm>
-            <a:off x="838200" y="1817079"/>
-            <a:ext cx="7895602" cy="1054308"/>
+            <a:off x="838200" y="1825625"/>
+            <a:ext cx="7895602" cy="1071399"/>
           </a:xfrm>
         </p:spPr>
         <p:style>
@@ -4192,7 +4134,7 @@
             </a:pPr>
             <a:r>
               <a:rPr lang="lt-LT" dirty="0"/>
-              <a:t>30% darbuotojų išreiškia susirūpinimą dėl galimo darbo vietų praradimo dėl technologijų pažangos. </a:t>
+              <a:t>AI daugiausiai paveikia išsilavinusius darbuotojus uždirbančius iki 80,000 dolerių per metus. </a:t>
             </a:r>
             <a:endParaRPr lang="en-US" dirty="0"/>
           </a:p>
@@ -4201,7 +4143,7 @@
     </p:spTree>
     <p:extLst>
       <p:ext uri="{BB962C8B-B14F-4D97-AF65-F5344CB8AC3E}">
-        <p14:creationId xmlns:p14="http://schemas.microsoft.com/office/powerpoint/2010/main" val="2339006083"/>
+        <p14:creationId xmlns:p14="http://schemas.microsoft.com/office/powerpoint/2010/main" val="3759580169"/>
       </p:ext>
     </p:extLst>
   </p:cSld>
@@ -4228,362 +4170,146 @@
           <a:chExt cx="0" cy="0"/>
         </a:xfrm>
       </p:grpSpPr>
-      <p:sp>
-        <p:nvSpPr>
-          <p:cNvPr id="2" name="Title 1">
-            <a:extLst>
-              <a:ext uri="{FF2B5EF4-FFF2-40B4-BE49-F238E27FC236}">
-                <a16:creationId xmlns:a16="http://schemas.microsoft.com/office/drawing/2014/main" id="{1D4D4EF2-B5AF-48BA-A806-C2DD83590463}"/>
-              </a:ext>
-            </a:extLst>
-          </p:cNvPr>
-          <p:cNvSpPr>
-            <a:spLocks noGrp="1"/>
-          </p:cNvSpPr>
-          <p:nvPr>
-            <p:ph type="title"/>
-          </p:nvPr>
-        </p:nvSpPr>
-        <p:spPr/>
-        <p:txBody>
-          <a:bodyPr/>
-          <a:lstStyle/>
-          <a:p>
-            <a:r>
-              <a:rPr lang="lt-LT" dirty="0"/>
-              <a:t>Pagrindiniai tyrimai</a:t>
-            </a:r>
-            <a:endParaRPr lang="en-US" dirty="0"/>
-          </a:p>
-        </p:txBody>
-      </p:sp>
       <p:pic>
         <p:nvPicPr>
-          <p:cNvPr id="6" name="Content Placeholder 5">
-            <a:extLst>
-              <a:ext uri="{FF2B5EF4-FFF2-40B4-BE49-F238E27FC236}">
-                <a16:creationId xmlns:a16="http://schemas.microsoft.com/office/drawing/2014/main" id="{4D37C8EB-E493-429F-9333-3EBA246AB948}"/>
+          <p:cNvPr id="6" name="Picture 5">
+            <a:extLst>
+              <a:ext uri="{FF2B5EF4-FFF2-40B4-BE49-F238E27FC236}">
+                <a16:creationId xmlns:a16="http://schemas.microsoft.com/office/drawing/2014/main" id="{CFAA9644-DD65-43A5-BC37-0C0F12DC9D5A}"/>
               </a:ext>
             </a:extLst>
           </p:cNvPr>
           <p:cNvPicPr>
-            <a:picLocks noGrp="1"/>
+            <a:picLocks noChangeAspect="1"/>
           </p:cNvPicPr>
-          <p:nvPr>
-            <p:ph idx="1"/>
-          </p:nvPr>
+          <p:nvPr/>
         </p:nvPicPr>
         <p:blipFill>
-          <a:blip r:embed="rId2" cstate="print">
-            <a:extLst>
-              <a:ext uri="{28A0092B-C50C-407E-A947-70E740481C1C}">
-                <a14:useLocalDpi xmlns:a14="http://schemas.microsoft.com/office/drawing/2010/main" val="0"/>
-              </a:ext>
-            </a:extLst>
-          </a:blip>
-          <a:srcRect/>
+          <a:blip r:embed="rId2"/>
           <a:stretch>
             <a:fillRect/>
           </a:stretch>
         </p:blipFill>
-        <p:spPr bwMode="auto">
+        <p:spPr>
           <a:xfrm>
-            <a:off x="838199" y="1547289"/>
-            <a:ext cx="7442675" cy="3212718"/>
+            <a:off x="5325697" y="0"/>
+            <a:ext cx="6866303" cy="6858000"/>
           </a:xfrm>
           <a:prstGeom prst="rect">
             <a:avLst/>
           </a:prstGeom>
-          <a:noFill/>
           <a:ln>
             <a:noFill/>
           </a:ln>
+          <a:effectLst>
+            <a:softEdge rad="112500"/>
+          </a:effectLst>
         </p:spPr>
       </p:pic>
       <p:sp>
         <p:nvSpPr>
-          <p:cNvPr id="8" name="TextBox 7">
-            <a:extLst>
-              <a:ext uri="{FF2B5EF4-FFF2-40B4-BE49-F238E27FC236}">
-                <a16:creationId xmlns:a16="http://schemas.microsoft.com/office/drawing/2014/main" id="{319EB938-3716-48C5-9FC0-904145DF6F1E}"/>
-              </a:ext>
-            </a:extLst>
-          </p:cNvPr>
-          <p:cNvSpPr txBox="1"/>
-          <p:nvPr/>
+          <p:cNvPr id="2" name="Title 1">
+            <a:extLst>
+              <a:ext uri="{FF2B5EF4-FFF2-40B4-BE49-F238E27FC236}">
+                <a16:creationId xmlns:a16="http://schemas.microsoft.com/office/drawing/2014/main" id="{F893FFAD-9593-4E16-92F6-5B9F8029C453}"/>
+              </a:ext>
+            </a:extLst>
+          </p:cNvPr>
+          <p:cNvSpPr>
+            <a:spLocks noGrp="1"/>
+          </p:cNvSpPr>
+          <p:nvPr>
+            <p:ph type="title"/>
+          </p:nvPr>
+        </p:nvSpPr>
+        <p:spPr/>
+        <p:style>
+          <a:lnRef idx="2">
+            <a:schemeClr val="dk1"/>
+          </a:lnRef>
+          <a:fillRef idx="1">
+            <a:schemeClr val="lt1"/>
+          </a:fillRef>
+          <a:effectRef idx="0">
+            <a:schemeClr val="dk1"/>
+          </a:effectRef>
+          <a:fontRef idx="minor">
+            <a:schemeClr val="dk1"/>
+          </a:fontRef>
+        </p:style>
+        <p:txBody>
+          <a:bodyPr>
+            <a:normAutofit/>
+          </a:bodyPr>
+          <a:lstStyle/>
+          <a:p>
+            <a:r>
+              <a:rPr lang="lt-LT" b="1" kern="0" dirty="0">
+                <a:effectLst/>
+                <a:ea typeface="Times New Roman" panose="02020603050405020304" pitchFamily="18" charset="0"/>
+                <a:cs typeface="Arial" panose="020B0604020202020204" pitchFamily="34" charset="0"/>
+              </a:rPr>
+              <a:t>AI Replacing Jobs Statistics: The Impact on Employment in 2024: Poveikis darbui</a:t>
+            </a:r>
+            <a:endParaRPr lang="en-US" dirty="0"/>
+          </a:p>
+        </p:txBody>
+      </p:sp>
+      <p:sp>
+        <p:nvSpPr>
+          <p:cNvPr id="3" name="Content Placeholder 2">
+            <a:extLst>
+              <a:ext uri="{FF2B5EF4-FFF2-40B4-BE49-F238E27FC236}">
+                <a16:creationId xmlns:a16="http://schemas.microsoft.com/office/drawing/2014/main" id="{B962DB30-794C-45D8-8AE6-E20B7E67440E}"/>
+              </a:ext>
+            </a:extLst>
+          </p:cNvPr>
+          <p:cNvSpPr>
+            <a:spLocks noGrp="1"/>
+          </p:cNvSpPr>
+          <p:nvPr>
+            <p:ph idx="1"/>
+          </p:nvPr>
         </p:nvSpPr>
         <p:spPr>
           <a:xfrm>
-            <a:off x="1048996" y="4760007"/>
-            <a:ext cx="6097424" cy="646331"/>
+            <a:off x="838200" y="1817079"/>
+            <a:ext cx="7895602" cy="1054308"/>
           </a:xfrm>
-          <a:prstGeom prst="rect">
-            <a:avLst/>
-          </a:prstGeom>
-          <a:noFill/>
         </p:spPr>
-        <p:txBody>
-          <a:bodyPr wrap="square">
-            <a:spAutoFit/>
-          </a:bodyPr>
-          <a:lstStyle/>
-          <a:p>
-            <a:r>
-              <a:rPr lang="en-US" sz="1800" kern="0" dirty="0">
-                <a:effectLst/>
-                <a:latin typeface="Times New Roman" panose="02020603050405020304" pitchFamily="18" charset="0"/>
-                <a:ea typeface="Times New Roman" panose="02020603050405020304" pitchFamily="18" charset="0"/>
-              </a:rPr>
-              <a:t> </a:t>
-            </a:r>
-            <a:r>
-              <a:rPr lang="en-US" sz="1800" kern="0" dirty="0" err="1">
-                <a:effectLst/>
-                <a:latin typeface="Times New Roman" panose="02020603050405020304" pitchFamily="18" charset="0"/>
-                <a:ea typeface="Times New Roman" panose="02020603050405020304" pitchFamily="18" charset="0"/>
-              </a:rPr>
-              <a:t>Šie</a:t>
-            </a:r>
-            <a:r>
-              <a:rPr lang="en-US" sz="1800" kern="0" dirty="0">
-                <a:effectLst/>
-                <a:latin typeface="Times New Roman" panose="02020603050405020304" pitchFamily="18" charset="0"/>
-                <a:ea typeface="Times New Roman" panose="02020603050405020304" pitchFamily="18" charset="0"/>
-              </a:rPr>
-              <a:t> </a:t>
-            </a:r>
-            <a:r>
-              <a:rPr lang="en-US" sz="1800" kern="0" dirty="0" err="1">
-                <a:effectLst/>
-                <a:latin typeface="Times New Roman" panose="02020603050405020304" pitchFamily="18" charset="0"/>
-                <a:ea typeface="Times New Roman" panose="02020603050405020304" pitchFamily="18" charset="0"/>
-              </a:rPr>
-              <a:t>rezultatai</a:t>
-            </a:r>
-            <a:r>
-              <a:rPr lang="en-US" sz="1800" kern="0" dirty="0">
-                <a:effectLst/>
-                <a:latin typeface="Times New Roman" panose="02020603050405020304" pitchFamily="18" charset="0"/>
-                <a:ea typeface="Times New Roman" panose="02020603050405020304" pitchFamily="18" charset="0"/>
-              </a:rPr>
-              <a:t> </a:t>
-            </a:r>
-            <a:r>
-              <a:rPr lang="en-US" sz="1800" kern="0" dirty="0" err="1">
-                <a:effectLst/>
-                <a:latin typeface="Times New Roman" panose="02020603050405020304" pitchFamily="18" charset="0"/>
-                <a:ea typeface="Times New Roman" panose="02020603050405020304" pitchFamily="18" charset="0"/>
-              </a:rPr>
-              <a:t>rodo</a:t>
-            </a:r>
-            <a:r>
-              <a:rPr lang="en-US" sz="1800" kern="0" dirty="0">
-                <a:effectLst/>
-                <a:latin typeface="Times New Roman" panose="02020603050405020304" pitchFamily="18" charset="0"/>
-                <a:ea typeface="Times New Roman" panose="02020603050405020304" pitchFamily="18" charset="0"/>
-              </a:rPr>
-              <a:t>, </a:t>
-            </a:r>
-            <a:r>
-              <a:rPr lang="en-US" sz="1800" kern="0" dirty="0" err="1">
-                <a:effectLst/>
-                <a:latin typeface="Times New Roman" panose="02020603050405020304" pitchFamily="18" charset="0"/>
-                <a:ea typeface="Times New Roman" panose="02020603050405020304" pitchFamily="18" charset="0"/>
-              </a:rPr>
-              <a:t>kad</a:t>
-            </a:r>
-            <a:r>
-              <a:rPr lang="en-US" sz="1800" kern="0" dirty="0">
-                <a:effectLst/>
-                <a:latin typeface="Times New Roman" panose="02020603050405020304" pitchFamily="18" charset="0"/>
-                <a:ea typeface="Times New Roman" panose="02020603050405020304" pitchFamily="18" charset="0"/>
-              </a:rPr>
-              <a:t> </a:t>
-            </a:r>
-            <a:r>
-              <a:rPr lang="en-US" sz="1800" kern="0" dirty="0" err="1">
-                <a:effectLst/>
-                <a:latin typeface="Times New Roman" panose="02020603050405020304" pitchFamily="18" charset="0"/>
-                <a:ea typeface="Times New Roman" panose="02020603050405020304" pitchFamily="18" charset="0"/>
-              </a:rPr>
-              <a:t>didžioji</a:t>
-            </a:r>
-            <a:r>
-              <a:rPr lang="en-US" sz="1800" kern="0" dirty="0">
-                <a:effectLst/>
-                <a:latin typeface="Times New Roman" panose="02020603050405020304" pitchFamily="18" charset="0"/>
-                <a:ea typeface="Times New Roman" panose="02020603050405020304" pitchFamily="18" charset="0"/>
-              </a:rPr>
-              <a:t> </a:t>
-            </a:r>
-            <a:r>
-              <a:rPr lang="en-US" sz="1800" kern="0" dirty="0" err="1">
-                <a:effectLst/>
-                <a:latin typeface="Times New Roman" panose="02020603050405020304" pitchFamily="18" charset="0"/>
-                <a:ea typeface="Times New Roman" panose="02020603050405020304" pitchFamily="18" charset="0"/>
-              </a:rPr>
-              <a:t>dalis</a:t>
-            </a:r>
-            <a:r>
-              <a:rPr lang="en-US" sz="1800" kern="0" dirty="0">
-                <a:effectLst/>
-                <a:latin typeface="Times New Roman" panose="02020603050405020304" pitchFamily="18" charset="0"/>
-                <a:ea typeface="Times New Roman" panose="02020603050405020304" pitchFamily="18" charset="0"/>
-              </a:rPr>
-              <a:t> </a:t>
-            </a:r>
-            <a:r>
-              <a:rPr lang="en-US" sz="1800" kern="0" dirty="0" err="1">
-                <a:effectLst/>
-                <a:latin typeface="Times New Roman" panose="02020603050405020304" pitchFamily="18" charset="0"/>
-                <a:ea typeface="Times New Roman" panose="02020603050405020304" pitchFamily="18" charset="0"/>
-              </a:rPr>
-              <a:t>apklaustųjų</a:t>
-            </a:r>
-            <a:r>
-              <a:rPr lang="en-US" sz="1800" kern="0" dirty="0">
-                <a:effectLst/>
-                <a:latin typeface="Times New Roman" panose="02020603050405020304" pitchFamily="18" charset="0"/>
-                <a:ea typeface="Times New Roman" panose="02020603050405020304" pitchFamily="18" charset="0"/>
-              </a:rPr>
-              <a:t> </a:t>
-            </a:r>
-            <a:r>
-              <a:rPr lang="en-US" sz="1800" kern="0" dirty="0" err="1">
-                <a:effectLst/>
-                <a:latin typeface="Times New Roman" panose="02020603050405020304" pitchFamily="18" charset="0"/>
-                <a:ea typeface="Times New Roman" panose="02020603050405020304" pitchFamily="18" charset="0"/>
-              </a:rPr>
-              <a:t>turi</a:t>
-            </a:r>
-            <a:r>
-              <a:rPr lang="en-US" sz="1800" kern="0" dirty="0">
-                <a:effectLst/>
-                <a:latin typeface="Times New Roman" panose="02020603050405020304" pitchFamily="18" charset="0"/>
-                <a:ea typeface="Times New Roman" panose="02020603050405020304" pitchFamily="18" charset="0"/>
-              </a:rPr>
-              <a:t> </a:t>
-            </a:r>
-            <a:r>
-              <a:rPr lang="en-US" sz="1800" kern="0" dirty="0" err="1">
-                <a:effectLst/>
-                <a:latin typeface="Times New Roman" panose="02020603050405020304" pitchFamily="18" charset="0"/>
-                <a:ea typeface="Times New Roman" panose="02020603050405020304" pitchFamily="18" charset="0"/>
-              </a:rPr>
-              <a:t>teigiamą</a:t>
-            </a:r>
-            <a:r>
-              <a:rPr lang="en-US" sz="1800" kern="0" dirty="0">
-                <a:effectLst/>
-                <a:latin typeface="Times New Roman" panose="02020603050405020304" pitchFamily="18" charset="0"/>
-                <a:ea typeface="Times New Roman" panose="02020603050405020304" pitchFamily="18" charset="0"/>
-              </a:rPr>
-              <a:t> </a:t>
-            </a:r>
-            <a:r>
-              <a:rPr lang="en-US" sz="1800" kern="0" dirty="0" err="1">
-                <a:effectLst/>
-                <a:latin typeface="Times New Roman" panose="02020603050405020304" pitchFamily="18" charset="0"/>
-                <a:ea typeface="Times New Roman" panose="02020603050405020304" pitchFamily="18" charset="0"/>
-              </a:rPr>
-              <a:t>arba</a:t>
-            </a:r>
-            <a:r>
-              <a:rPr lang="en-US" sz="1800" kern="0" dirty="0">
-                <a:effectLst/>
-                <a:latin typeface="Times New Roman" panose="02020603050405020304" pitchFamily="18" charset="0"/>
-                <a:ea typeface="Times New Roman" panose="02020603050405020304" pitchFamily="18" charset="0"/>
-              </a:rPr>
-              <a:t> </a:t>
-            </a:r>
-            <a:r>
-              <a:rPr lang="en-US" sz="1800" kern="0" dirty="0" err="1">
-                <a:effectLst/>
-                <a:latin typeface="Times New Roman" panose="02020603050405020304" pitchFamily="18" charset="0"/>
-                <a:ea typeface="Times New Roman" panose="02020603050405020304" pitchFamily="18" charset="0"/>
-              </a:rPr>
-              <a:t>neutralią</a:t>
-            </a:r>
-            <a:r>
-              <a:rPr lang="en-US" sz="1800" kern="0" dirty="0">
-                <a:effectLst/>
-                <a:latin typeface="Times New Roman" panose="02020603050405020304" pitchFamily="18" charset="0"/>
-                <a:ea typeface="Times New Roman" panose="02020603050405020304" pitchFamily="18" charset="0"/>
-              </a:rPr>
-              <a:t> </a:t>
-            </a:r>
-            <a:r>
-              <a:rPr lang="en-US" sz="1800" kern="0" dirty="0" err="1">
-                <a:effectLst/>
-                <a:latin typeface="Times New Roman" panose="02020603050405020304" pitchFamily="18" charset="0"/>
-                <a:ea typeface="Times New Roman" panose="02020603050405020304" pitchFamily="18" charset="0"/>
-              </a:rPr>
-              <a:t>nuomonę</a:t>
-            </a:r>
-            <a:r>
-              <a:rPr lang="en-US" sz="1800" kern="0" dirty="0">
-                <a:effectLst/>
-                <a:latin typeface="Times New Roman" panose="02020603050405020304" pitchFamily="18" charset="0"/>
-                <a:ea typeface="Times New Roman" panose="02020603050405020304" pitchFamily="18" charset="0"/>
-              </a:rPr>
-              <a:t> </a:t>
-            </a:r>
-            <a:r>
-              <a:rPr lang="en-US" sz="1800" kern="0" dirty="0" err="1">
-                <a:effectLst/>
-                <a:latin typeface="Times New Roman" panose="02020603050405020304" pitchFamily="18" charset="0"/>
-                <a:ea typeface="Times New Roman" panose="02020603050405020304" pitchFamily="18" charset="0"/>
-              </a:rPr>
-              <a:t>apie</a:t>
-            </a:r>
-            <a:r>
-              <a:rPr lang="en-US" sz="1800" kern="0" dirty="0">
-                <a:effectLst/>
-                <a:latin typeface="Times New Roman" panose="02020603050405020304" pitchFamily="18" charset="0"/>
-                <a:ea typeface="Times New Roman" panose="02020603050405020304" pitchFamily="18" charset="0"/>
-              </a:rPr>
-              <a:t> </a:t>
-            </a:r>
-            <a:r>
-              <a:rPr lang="en-US" sz="1800" kern="0" dirty="0" err="1">
-                <a:effectLst/>
-                <a:latin typeface="Times New Roman" panose="02020603050405020304" pitchFamily="18" charset="0"/>
-                <a:ea typeface="Times New Roman" panose="02020603050405020304" pitchFamily="18" charset="0"/>
-              </a:rPr>
-              <a:t>dirbtinį</a:t>
-            </a:r>
-            <a:r>
-              <a:rPr lang="en-US" sz="1800" kern="0" dirty="0">
-                <a:effectLst/>
-                <a:latin typeface="Times New Roman" panose="02020603050405020304" pitchFamily="18" charset="0"/>
-                <a:ea typeface="Times New Roman" panose="02020603050405020304" pitchFamily="18" charset="0"/>
-              </a:rPr>
-              <a:t> </a:t>
-            </a:r>
-            <a:r>
-              <a:rPr lang="en-US" sz="1800" kern="0" dirty="0" err="1">
-                <a:effectLst/>
-                <a:latin typeface="Times New Roman" panose="02020603050405020304" pitchFamily="18" charset="0"/>
-                <a:ea typeface="Times New Roman" panose="02020603050405020304" pitchFamily="18" charset="0"/>
-              </a:rPr>
-              <a:t>intelektą</a:t>
-            </a:r>
-            <a:r>
-              <a:rPr lang="en-US" sz="1800" kern="0" dirty="0">
-                <a:effectLst/>
-                <a:latin typeface="Times New Roman" panose="02020603050405020304" pitchFamily="18" charset="0"/>
-                <a:ea typeface="Times New Roman" panose="02020603050405020304" pitchFamily="18" charset="0"/>
-              </a:rPr>
-              <a:t>.</a:t>
-            </a:r>
-            <a:endParaRPr lang="lt-LT" dirty="0"/>
+        <p:style>
+          <a:lnRef idx="2">
+            <a:schemeClr val="dk1"/>
+          </a:lnRef>
+          <a:fillRef idx="1">
+            <a:schemeClr val="lt1"/>
+          </a:fillRef>
+          <a:effectRef idx="0">
+            <a:schemeClr val="dk1"/>
+          </a:effectRef>
+          <a:fontRef idx="minor">
+            <a:schemeClr val="dk1"/>
+          </a:fontRef>
+        </p:style>
+        <p:txBody>
+          <a:bodyPr/>
+          <a:lstStyle/>
+          <a:p>
+            <a:pPr marL="0" indent="0">
+              <a:buNone/>
+            </a:pPr>
+            <a:r>
+              <a:rPr lang="lt-LT" dirty="0"/>
+              <a:t>30% darbuotojų išreiškia susirūpinimą dėl galimo darbo vietų praradimo dėl technologijų pažangos. </a:t>
+            </a:r>
+            <a:endParaRPr lang="en-US" dirty="0"/>
           </a:p>
         </p:txBody>
       </p:sp>
     </p:spTree>
     <p:extLst>
       <p:ext uri="{BB962C8B-B14F-4D97-AF65-F5344CB8AC3E}">
-        <p14:creationId xmlns:p14="http://schemas.microsoft.com/office/powerpoint/2010/main" val="1628595393"/>
+        <p14:creationId xmlns:p14="http://schemas.microsoft.com/office/powerpoint/2010/main" val="2339006083"/>
       </p:ext>
     </p:extLst>
   </p:cSld>
@@ -4641,10 +4367,10 @@
       </p:sp>
       <p:pic>
         <p:nvPicPr>
-          <p:cNvPr id="8" name="Content Placeholder 7">
-            <a:extLst>
-              <a:ext uri="{FF2B5EF4-FFF2-40B4-BE49-F238E27FC236}">
-                <a16:creationId xmlns:a16="http://schemas.microsoft.com/office/drawing/2014/main" id="{0D00AB69-BEC6-47CF-BD13-E1AA8895D23B}"/>
+          <p:cNvPr id="6" name="Content Placeholder 5">
+            <a:extLst>
+              <a:ext uri="{FF2B5EF4-FFF2-40B4-BE49-F238E27FC236}">
+                <a16:creationId xmlns:a16="http://schemas.microsoft.com/office/drawing/2014/main" id="{4D37C8EB-E493-429F-9333-3EBA246AB948}"/>
               </a:ext>
             </a:extLst>
           </p:cNvPr>
@@ -4670,8 +4396,8 @@
         </p:blipFill>
         <p:spPr bwMode="auto">
           <a:xfrm>
-            <a:off x="838199" y="1513106"/>
-            <a:ext cx="7254667" cy="3075986"/>
+            <a:off x="838199" y="1547289"/>
+            <a:ext cx="7442675" cy="3212718"/>
           </a:xfrm>
           <a:prstGeom prst="rect">
             <a:avLst/>
@@ -4684,10 +4410,10 @@
       </p:pic>
       <p:sp>
         <p:nvSpPr>
-          <p:cNvPr id="10" name="TextBox 9">
-            <a:extLst>
-              <a:ext uri="{FF2B5EF4-FFF2-40B4-BE49-F238E27FC236}">
-                <a16:creationId xmlns:a16="http://schemas.microsoft.com/office/drawing/2014/main" id="{BC97466F-BC31-4C7E-AFC3-00FCFCD10D61}"/>
+          <p:cNvPr id="8" name="TextBox 7">
+            <a:extLst>
+              <a:ext uri="{FF2B5EF4-FFF2-40B4-BE49-F238E27FC236}">
+                <a16:creationId xmlns:a16="http://schemas.microsoft.com/office/drawing/2014/main" id="{319EB938-3716-48C5-9FC0-904145DF6F1E}"/>
               </a:ext>
             </a:extLst>
           </p:cNvPr>
@@ -4696,8 +4422,8 @@
         </p:nvSpPr>
         <p:spPr>
           <a:xfrm>
-            <a:off x="838200" y="4589092"/>
-            <a:ext cx="6097424" cy="923330"/>
+            <a:off x="1048996" y="4760007"/>
+            <a:ext cx="6097424" cy="646331"/>
           </a:xfrm>
           <a:prstGeom prst="rect">
             <a:avLst/>
@@ -4711,13 +4437,252 @@
           <a:lstStyle/>
           <a:p>
             <a:r>
-              <a:rPr lang="lt-LT" sz="1800" kern="0" dirty="0">
+              <a:rPr lang="en-US" sz="1800" kern="0" dirty="0">
                 <a:effectLst/>
                 <a:latin typeface="Times New Roman" panose="02020603050405020304" pitchFamily="18" charset="0"/>
-                <a:ea typeface="Calibri" panose="020F0502020204030204" pitchFamily="34" charset="0"/>
-                <a:cs typeface="Arial" panose="020B0604020202020204" pitchFamily="34" charset="0"/>
+                <a:ea typeface="Times New Roman" panose="02020603050405020304" pitchFamily="18" charset="0"/>
               </a:rPr>
-              <a:t>Šie rezultatai rodo, kad visuomenėje egzistuoja nevienareikšmis požiūris į AI taikymą švietimo srityje, su beveik vienodu skaičiumi palaikančių ir skeptiškai nusiteikusiųjų.</a:t>
+              <a:t> </a:t>
+            </a:r>
+            <a:r>
+              <a:rPr lang="en-US" sz="1800" kern="0" dirty="0" err="1">
+                <a:effectLst/>
+                <a:latin typeface="Times New Roman" panose="02020603050405020304" pitchFamily="18" charset="0"/>
+                <a:ea typeface="Times New Roman" panose="02020603050405020304" pitchFamily="18" charset="0"/>
+              </a:rPr>
+              <a:t>Šie</a:t>
+            </a:r>
+            <a:r>
+              <a:rPr lang="en-US" sz="1800" kern="0" dirty="0">
+                <a:effectLst/>
+                <a:latin typeface="Times New Roman" panose="02020603050405020304" pitchFamily="18" charset="0"/>
+                <a:ea typeface="Times New Roman" panose="02020603050405020304" pitchFamily="18" charset="0"/>
+              </a:rPr>
+              <a:t> </a:t>
+            </a:r>
+            <a:r>
+              <a:rPr lang="en-US" sz="1800" kern="0" dirty="0" err="1">
+                <a:effectLst/>
+                <a:latin typeface="Times New Roman" panose="02020603050405020304" pitchFamily="18" charset="0"/>
+                <a:ea typeface="Times New Roman" panose="02020603050405020304" pitchFamily="18" charset="0"/>
+              </a:rPr>
+              <a:t>rezultatai</a:t>
+            </a:r>
+            <a:r>
+              <a:rPr lang="en-US" sz="1800" kern="0" dirty="0">
+                <a:effectLst/>
+                <a:latin typeface="Times New Roman" panose="02020603050405020304" pitchFamily="18" charset="0"/>
+                <a:ea typeface="Times New Roman" panose="02020603050405020304" pitchFamily="18" charset="0"/>
+              </a:rPr>
+              <a:t> </a:t>
+            </a:r>
+            <a:r>
+              <a:rPr lang="en-US" sz="1800" kern="0" dirty="0" err="1">
+                <a:effectLst/>
+                <a:latin typeface="Times New Roman" panose="02020603050405020304" pitchFamily="18" charset="0"/>
+                <a:ea typeface="Times New Roman" panose="02020603050405020304" pitchFamily="18" charset="0"/>
+              </a:rPr>
+              <a:t>rodo</a:t>
+            </a:r>
+            <a:r>
+              <a:rPr lang="en-US" sz="1800" kern="0" dirty="0">
+                <a:effectLst/>
+                <a:latin typeface="Times New Roman" panose="02020603050405020304" pitchFamily="18" charset="0"/>
+                <a:ea typeface="Times New Roman" panose="02020603050405020304" pitchFamily="18" charset="0"/>
+              </a:rPr>
+              <a:t>, </a:t>
+            </a:r>
+            <a:r>
+              <a:rPr lang="en-US" sz="1800" kern="0" dirty="0" err="1">
+                <a:effectLst/>
+                <a:latin typeface="Times New Roman" panose="02020603050405020304" pitchFamily="18" charset="0"/>
+                <a:ea typeface="Times New Roman" panose="02020603050405020304" pitchFamily="18" charset="0"/>
+              </a:rPr>
+              <a:t>kad</a:t>
+            </a:r>
+            <a:r>
+              <a:rPr lang="en-US" sz="1800" kern="0" dirty="0">
+                <a:effectLst/>
+                <a:latin typeface="Times New Roman" panose="02020603050405020304" pitchFamily="18" charset="0"/>
+                <a:ea typeface="Times New Roman" panose="02020603050405020304" pitchFamily="18" charset="0"/>
+              </a:rPr>
+              <a:t> </a:t>
+            </a:r>
+            <a:r>
+              <a:rPr lang="en-US" sz="1800" kern="0" dirty="0" err="1">
+                <a:effectLst/>
+                <a:latin typeface="Times New Roman" panose="02020603050405020304" pitchFamily="18" charset="0"/>
+                <a:ea typeface="Times New Roman" panose="02020603050405020304" pitchFamily="18" charset="0"/>
+              </a:rPr>
+              <a:t>didžioji</a:t>
+            </a:r>
+            <a:r>
+              <a:rPr lang="en-US" sz="1800" kern="0" dirty="0">
+                <a:effectLst/>
+                <a:latin typeface="Times New Roman" panose="02020603050405020304" pitchFamily="18" charset="0"/>
+                <a:ea typeface="Times New Roman" panose="02020603050405020304" pitchFamily="18" charset="0"/>
+              </a:rPr>
+              <a:t> </a:t>
+            </a:r>
+            <a:r>
+              <a:rPr lang="en-US" sz="1800" kern="0" dirty="0" err="1">
+                <a:effectLst/>
+                <a:latin typeface="Times New Roman" panose="02020603050405020304" pitchFamily="18" charset="0"/>
+                <a:ea typeface="Times New Roman" panose="02020603050405020304" pitchFamily="18" charset="0"/>
+              </a:rPr>
+              <a:t>dalis</a:t>
+            </a:r>
+            <a:r>
+              <a:rPr lang="en-US" sz="1800" kern="0" dirty="0">
+                <a:effectLst/>
+                <a:latin typeface="Times New Roman" panose="02020603050405020304" pitchFamily="18" charset="0"/>
+                <a:ea typeface="Times New Roman" panose="02020603050405020304" pitchFamily="18" charset="0"/>
+              </a:rPr>
+              <a:t> </a:t>
+            </a:r>
+            <a:r>
+              <a:rPr lang="en-US" sz="1800" kern="0" dirty="0" err="1">
+                <a:effectLst/>
+                <a:latin typeface="Times New Roman" panose="02020603050405020304" pitchFamily="18" charset="0"/>
+                <a:ea typeface="Times New Roman" panose="02020603050405020304" pitchFamily="18" charset="0"/>
+              </a:rPr>
+              <a:t>apklaustųjų</a:t>
+            </a:r>
+            <a:r>
+              <a:rPr lang="en-US" sz="1800" kern="0" dirty="0">
+                <a:effectLst/>
+                <a:latin typeface="Times New Roman" panose="02020603050405020304" pitchFamily="18" charset="0"/>
+                <a:ea typeface="Times New Roman" panose="02020603050405020304" pitchFamily="18" charset="0"/>
+              </a:rPr>
+              <a:t> </a:t>
+            </a:r>
+            <a:r>
+              <a:rPr lang="en-US" sz="1800" kern="0" dirty="0" err="1">
+                <a:effectLst/>
+                <a:latin typeface="Times New Roman" panose="02020603050405020304" pitchFamily="18" charset="0"/>
+                <a:ea typeface="Times New Roman" panose="02020603050405020304" pitchFamily="18" charset="0"/>
+              </a:rPr>
+              <a:t>turi</a:t>
+            </a:r>
+            <a:r>
+              <a:rPr lang="en-US" sz="1800" kern="0" dirty="0">
+                <a:effectLst/>
+                <a:latin typeface="Times New Roman" panose="02020603050405020304" pitchFamily="18" charset="0"/>
+                <a:ea typeface="Times New Roman" panose="02020603050405020304" pitchFamily="18" charset="0"/>
+              </a:rPr>
+              <a:t> </a:t>
+            </a:r>
+            <a:r>
+              <a:rPr lang="en-US" sz="1800" kern="0" dirty="0" err="1">
+                <a:effectLst/>
+                <a:latin typeface="Times New Roman" panose="02020603050405020304" pitchFamily="18" charset="0"/>
+                <a:ea typeface="Times New Roman" panose="02020603050405020304" pitchFamily="18" charset="0"/>
+              </a:rPr>
+              <a:t>teigiamą</a:t>
+            </a:r>
+            <a:r>
+              <a:rPr lang="en-US" sz="1800" kern="0" dirty="0">
+                <a:effectLst/>
+                <a:latin typeface="Times New Roman" panose="02020603050405020304" pitchFamily="18" charset="0"/>
+                <a:ea typeface="Times New Roman" panose="02020603050405020304" pitchFamily="18" charset="0"/>
+              </a:rPr>
+              <a:t> </a:t>
+            </a:r>
+            <a:r>
+              <a:rPr lang="en-US" sz="1800" kern="0" dirty="0" err="1">
+                <a:effectLst/>
+                <a:latin typeface="Times New Roman" panose="02020603050405020304" pitchFamily="18" charset="0"/>
+                <a:ea typeface="Times New Roman" panose="02020603050405020304" pitchFamily="18" charset="0"/>
+              </a:rPr>
+              <a:t>arba</a:t>
+            </a:r>
+            <a:r>
+              <a:rPr lang="en-US" sz="1800" kern="0" dirty="0">
+                <a:effectLst/>
+                <a:latin typeface="Times New Roman" panose="02020603050405020304" pitchFamily="18" charset="0"/>
+                <a:ea typeface="Times New Roman" panose="02020603050405020304" pitchFamily="18" charset="0"/>
+              </a:rPr>
+              <a:t> </a:t>
+            </a:r>
+            <a:r>
+              <a:rPr lang="en-US" sz="1800" kern="0" dirty="0" err="1">
+                <a:effectLst/>
+                <a:latin typeface="Times New Roman" panose="02020603050405020304" pitchFamily="18" charset="0"/>
+                <a:ea typeface="Times New Roman" panose="02020603050405020304" pitchFamily="18" charset="0"/>
+              </a:rPr>
+              <a:t>neutralią</a:t>
+            </a:r>
+            <a:r>
+              <a:rPr lang="en-US" sz="1800" kern="0" dirty="0">
+                <a:effectLst/>
+                <a:latin typeface="Times New Roman" panose="02020603050405020304" pitchFamily="18" charset="0"/>
+                <a:ea typeface="Times New Roman" panose="02020603050405020304" pitchFamily="18" charset="0"/>
+              </a:rPr>
+              <a:t> </a:t>
+            </a:r>
+            <a:r>
+              <a:rPr lang="en-US" sz="1800" kern="0" dirty="0" err="1">
+                <a:effectLst/>
+                <a:latin typeface="Times New Roman" panose="02020603050405020304" pitchFamily="18" charset="0"/>
+                <a:ea typeface="Times New Roman" panose="02020603050405020304" pitchFamily="18" charset="0"/>
+              </a:rPr>
+              <a:t>nuomonę</a:t>
+            </a:r>
+            <a:r>
+              <a:rPr lang="en-US" sz="1800" kern="0" dirty="0">
+                <a:effectLst/>
+                <a:latin typeface="Times New Roman" panose="02020603050405020304" pitchFamily="18" charset="0"/>
+                <a:ea typeface="Times New Roman" panose="02020603050405020304" pitchFamily="18" charset="0"/>
+              </a:rPr>
+              <a:t> </a:t>
+            </a:r>
+            <a:r>
+              <a:rPr lang="en-US" sz="1800" kern="0" dirty="0" err="1">
+                <a:effectLst/>
+                <a:latin typeface="Times New Roman" panose="02020603050405020304" pitchFamily="18" charset="0"/>
+                <a:ea typeface="Times New Roman" panose="02020603050405020304" pitchFamily="18" charset="0"/>
+              </a:rPr>
+              <a:t>apie</a:t>
+            </a:r>
+            <a:r>
+              <a:rPr lang="en-US" sz="1800" kern="0" dirty="0">
+                <a:effectLst/>
+                <a:latin typeface="Times New Roman" panose="02020603050405020304" pitchFamily="18" charset="0"/>
+                <a:ea typeface="Times New Roman" panose="02020603050405020304" pitchFamily="18" charset="0"/>
+              </a:rPr>
+              <a:t> </a:t>
+            </a:r>
+            <a:r>
+              <a:rPr lang="en-US" sz="1800" kern="0" dirty="0" err="1">
+                <a:effectLst/>
+                <a:latin typeface="Times New Roman" panose="02020603050405020304" pitchFamily="18" charset="0"/>
+                <a:ea typeface="Times New Roman" panose="02020603050405020304" pitchFamily="18" charset="0"/>
+              </a:rPr>
+              <a:t>dirbtinį</a:t>
+            </a:r>
+            <a:r>
+              <a:rPr lang="en-US" sz="1800" kern="0" dirty="0">
+                <a:effectLst/>
+                <a:latin typeface="Times New Roman" panose="02020603050405020304" pitchFamily="18" charset="0"/>
+                <a:ea typeface="Times New Roman" panose="02020603050405020304" pitchFamily="18" charset="0"/>
+              </a:rPr>
+              <a:t> </a:t>
+            </a:r>
+            <a:r>
+              <a:rPr lang="en-US" sz="1800" kern="0" dirty="0" err="1">
+                <a:effectLst/>
+                <a:latin typeface="Times New Roman" panose="02020603050405020304" pitchFamily="18" charset="0"/>
+                <a:ea typeface="Times New Roman" panose="02020603050405020304" pitchFamily="18" charset="0"/>
+              </a:rPr>
+              <a:t>intelektą</a:t>
+            </a:r>
+            <a:r>
+              <a:rPr lang="en-US" sz="1800" kern="0" dirty="0">
+                <a:effectLst/>
+                <a:latin typeface="Times New Roman" panose="02020603050405020304" pitchFamily="18" charset="0"/>
+                <a:ea typeface="Times New Roman" panose="02020603050405020304" pitchFamily="18" charset="0"/>
+              </a:rPr>
+              <a:t>.</a:t>
             </a:r>
             <a:endParaRPr lang="lt-LT" dirty="0"/>
           </a:p>
@@ -4726,7 +4691,7 @@
     </p:spTree>
     <p:extLst>
       <p:ext uri="{BB962C8B-B14F-4D97-AF65-F5344CB8AC3E}">
-        <p14:creationId xmlns:p14="http://schemas.microsoft.com/office/powerpoint/2010/main" val="2391148616"/>
+        <p14:creationId xmlns:p14="http://schemas.microsoft.com/office/powerpoint/2010/main" val="1628595393"/>
       </p:ext>
     </p:extLst>
   </p:cSld>
@@ -4784,6 +4749,149 @@
       </p:sp>
       <p:pic>
         <p:nvPicPr>
+          <p:cNvPr id="8" name="Content Placeholder 7">
+            <a:extLst>
+              <a:ext uri="{FF2B5EF4-FFF2-40B4-BE49-F238E27FC236}">
+                <a16:creationId xmlns:a16="http://schemas.microsoft.com/office/drawing/2014/main" id="{0D00AB69-BEC6-47CF-BD13-E1AA8895D23B}"/>
+              </a:ext>
+            </a:extLst>
+          </p:cNvPr>
+          <p:cNvPicPr>
+            <a:picLocks noGrp="1"/>
+          </p:cNvPicPr>
+          <p:nvPr>
+            <p:ph idx="1"/>
+          </p:nvPr>
+        </p:nvPicPr>
+        <p:blipFill>
+          <a:blip r:embed="rId2" cstate="print">
+            <a:extLst>
+              <a:ext uri="{28A0092B-C50C-407E-A947-70E740481C1C}">
+                <a14:useLocalDpi xmlns:a14="http://schemas.microsoft.com/office/drawing/2010/main" val="0"/>
+              </a:ext>
+            </a:extLst>
+          </a:blip>
+          <a:srcRect/>
+          <a:stretch>
+            <a:fillRect/>
+          </a:stretch>
+        </p:blipFill>
+        <p:spPr bwMode="auto">
+          <a:xfrm>
+            <a:off x="838199" y="1513106"/>
+            <a:ext cx="7254667" cy="3075986"/>
+          </a:xfrm>
+          <a:prstGeom prst="rect">
+            <a:avLst/>
+          </a:prstGeom>
+          <a:noFill/>
+          <a:ln>
+            <a:noFill/>
+          </a:ln>
+        </p:spPr>
+      </p:pic>
+      <p:sp>
+        <p:nvSpPr>
+          <p:cNvPr id="10" name="TextBox 9">
+            <a:extLst>
+              <a:ext uri="{FF2B5EF4-FFF2-40B4-BE49-F238E27FC236}">
+                <a16:creationId xmlns:a16="http://schemas.microsoft.com/office/drawing/2014/main" id="{BC97466F-BC31-4C7E-AFC3-00FCFCD10D61}"/>
+              </a:ext>
+            </a:extLst>
+          </p:cNvPr>
+          <p:cNvSpPr txBox="1"/>
+          <p:nvPr/>
+        </p:nvSpPr>
+        <p:spPr>
+          <a:xfrm>
+            <a:off x="838200" y="4589092"/>
+            <a:ext cx="6097424" cy="923330"/>
+          </a:xfrm>
+          <a:prstGeom prst="rect">
+            <a:avLst/>
+          </a:prstGeom>
+          <a:noFill/>
+        </p:spPr>
+        <p:txBody>
+          <a:bodyPr wrap="square">
+            <a:spAutoFit/>
+          </a:bodyPr>
+          <a:lstStyle/>
+          <a:p>
+            <a:r>
+              <a:rPr lang="lt-LT" sz="1800" kern="0" dirty="0">
+                <a:effectLst/>
+                <a:latin typeface="Times New Roman" panose="02020603050405020304" pitchFamily="18" charset="0"/>
+                <a:ea typeface="Calibri" panose="020F0502020204030204" pitchFamily="34" charset="0"/>
+                <a:cs typeface="Arial" panose="020B0604020202020204" pitchFamily="34" charset="0"/>
+              </a:rPr>
+              <a:t>Šie rezultatai rodo, kad visuomenėje egzistuoja nevienareikšmis požiūris į AI taikymą švietimo srityje, su beveik vienodu skaičiumi palaikančių ir skeptiškai nusiteikusiųjų.</a:t>
+            </a:r>
+            <a:endParaRPr lang="lt-LT" dirty="0"/>
+          </a:p>
+        </p:txBody>
+      </p:sp>
+    </p:spTree>
+    <p:extLst>
+      <p:ext uri="{BB962C8B-B14F-4D97-AF65-F5344CB8AC3E}">
+        <p14:creationId xmlns:p14="http://schemas.microsoft.com/office/powerpoint/2010/main" val="2391148616"/>
+      </p:ext>
+    </p:extLst>
+  </p:cSld>
+  <p:clrMapOvr>
+    <a:masterClrMapping/>
+  </p:clrMapOvr>
+</p:sld>
+</file>
+
+<file path=ppt/slides/slide18.xml><?xml version="1.0" encoding="utf-8"?>
+<p:sld xmlns:a="http://schemas.openxmlformats.org/drawingml/2006/main" xmlns:r="http://schemas.openxmlformats.org/officeDocument/2006/relationships" xmlns:p="http://schemas.openxmlformats.org/presentationml/2006/main">
+  <p:cSld>
+    <p:spTree>
+      <p:nvGrpSpPr>
+        <p:cNvPr id="1" name=""/>
+        <p:cNvGrpSpPr/>
+        <p:nvPr/>
+      </p:nvGrpSpPr>
+      <p:grpSpPr>
+        <a:xfrm>
+          <a:off x="0" y="0"/>
+          <a:ext cx="0" cy="0"/>
+          <a:chOff x="0" y="0"/>
+          <a:chExt cx="0" cy="0"/>
+        </a:xfrm>
+      </p:grpSpPr>
+      <p:sp>
+        <p:nvSpPr>
+          <p:cNvPr id="2" name="Title 1">
+            <a:extLst>
+              <a:ext uri="{FF2B5EF4-FFF2-40B4-BE49-F238E27FC236}">
+                <a16:creationId xmlns:a16="http://schemas.microsoft.com/office/drawing/2014/main" id="{1D4D4EF2-B5AF-48BA-A806-C2DD83590463}"/>
+              </a:ext>
+            </a:extLst>
+          </p:cNvPr>
+          <p:cNvSpPr>
+            <a:spLocks noGrp="1"/>
+          </p:cNvSpPr>
+          <p:nvPr>
+            <p:ph type="title"/>
+          </p:nvPr>
+        </p:nvSpPr>
+        <p:spPr/>
+        <p:txBody>
+          <a:bodyPr/>
+          <a:lstStyle/>
+          <a:p>
+            <a:r>
+              <a:rPr lang="lt-LT" dirty="0"/>
+              <a:t>Pagrindiniai tyrimai</a:t>
+            </a:r>
+            <a:endParaRPr lang="en-US" dirty="0"/>
+          </a:p>
+        </p:txBody>
+      </p:sp>
+      <p:pic>
+        <p:nvPicPr>
           <p:cNvPr id="7" name="Content Placeholder 6">
             <a:extLst>
               <a:ext uri="{FF2B5EF4-FFF2-40B4-BE49-F238E27FC236}">
@@ -4879,7 +4987,7 @@
 </p:sld>
 </file>
 
-<file path=ppt/slides/slide18.xml><?xml version="1.0" encoding="utf-8"?>
+<file path=ppt/slides/slide19.xml><?xml version="1.0" encoding="utf-8"?>
 <p:sld xmlns:a="http://schemas.openxmlformats.org/drawingml/2006/main" xmlns:r="http://schemas.openxmlformats.org/officeDocument/2006/relationships" xmlns:p="http://schemas.openxmlformats.org/presentationml/2006/main">
   <p:cSld>
     <p:spTree>
@@ -5022,7 +5130,182 @@
 </p:sld>
 </file>
 
-<file path=ppt/slides/slide19.xml><?xml version="1.0" encoding="utf-8"?>
+<file path=ppt/slides/slide2.xml><?xml version="1.0" encoding="utf-8"?>
+<p:sld xmlns:a="http://schemas.openxmlformats.org/drawingml/2006/main" xmlns:r="http://schemas.openxmlformats.org/officeDocument/2006/relationships" xmlns:p="http://schemas.openxmlformats.org/presentationml/2006/main">
+  <p:cSld>
+    <p:spTree>
+      <p:nvGrpSpPr>
+        <p:cNvPr id="1" name=""/>
+        <p:cNvGrpSpPr/>
+        <p:nvPr/>
+      </p:nvGrpSpPr>
+      <p:grpSpPr>
+        <a:xfrm>
+          <a:off x="0" y="0"/>
+          <a:ext cx="0" cy="0"/>
+          <a:chOff x="0" y="0"/>
+          <a:chExt cx="0" cy="0"/>
+        </a:xfrm>
+      </p:grpSpPr>
+      <p:sp>
+        <p:nvSpPr>
+          <p:cNvPr id="2" name="Title 1"/>
+          <p:cNvSpPr>
+            <a:spLocks noGrp="1"/>
+          </p:cNvSpPr>
+          <p:nvPr>
+            <p:ph type="title"/>
+          </p:nvPr>
+        </p:nvSpPr>
+        <p:spPr/>
+        <p:txBody>
+          <a:bodyPr/>
+          <a:lstStyle/>
+          <a:p>
+            <a:r>
+              <a:t>Tyrimo tikslas</a:t>
+            </a:r>
+          </a:p>
+        </p:txBody>
+      </p:sp>
+      <p:sp>
+        <p:nvSpPr>
+          <p:cNvPr id="3" name="Content Placeholder 2"/>
+          <p:cNvSpPr>
+            <a:spLocks noGrp="1"/>
+          </p:cNvSpPr>
+          <p:nvPr>
+            <p:ph idx="1"/>
+          </p:nvPr>
+        </p:nvSpPr>
+        <p:spPr/>
+        <p:txBody>
+          <a:bodyPr/>
+          <a:lstStyle/>
+          <a:p>
+            <a:r>
+              <a:rPr dirty="0" err="1"/>
+              <a:t>Ištirti</a:t>
+            </a:r>
+            <a:r>
+              <a:rPr dirty="0"/>
+              <a:t> </a:t>
+            </a:r>
+            <a:r>
+              <a:rPr dirty="0" err="1"/>
+              <a:t>visuomenės</a:t>
+            </a:r>
+            <a:r>
+              <a:rPr dirty="0"/>
+              <a:t> </a:t>
+            </a:r>
+            <a:r>
+              <a:rPr dirty="0" err="1"/>
+              <a:t>požiūrį</a:t>
+            </a:r>
+            <a:r>
+              <a:rPr dirty="0"/>
+              <a:t> į </a:t>
+            </a:r>
+            <a:r>
+              <a:rPr dirty="0" err="1"/>
+              <a:t>dirbtinį</a:t>
+            </a:r>
+            <a:r>
+              <a:rPr dirty="0"/>
+              <a:t> </a:t>
+            </a:r>
+            <a:r>
+              <a:rPr dirty="0" err="1"/>
+              <a:t>intelektą</a:t>
+            </a:r>
+            <a:r>
+              <a:rPr dirty="0"/>
+              <a:t> </a:t>
+            </a:r>
+            <a:r>
+              <a:rPr lang="lt-LT" dirty="0"/>
+              <a:t>A</a:t>
+            </a:r>
+            <a:r>
+              <a:rPr dirty="0"/>
+              <a:t>I) </a:t>
+            </a:r>
+            <a:r>
+              <a:rPr dirty="0" err="1"/>
+              <a:t>ir</a:t>
+            </a:r>
+            <a:r>
+              <a:rPr dirty="0"/>
+              <a:t> jo </a:t>
+            </a:r>
+            <a:r>
+              <a:rPr dirty="0" err="1"/>
+              <a:t>poveikį</a:t>
+            </a:r>
+            <a:r>
+              <a:rPr dirty="0"/>
+              <a:t> </a:t>
+            </a:r>
+            <a:r>
+              <a:rPr dirty="0" err="1"/>
+              <a:t>žmonių</a:t>
+            </a:r>
+            <a:r>
+              <a:rPr dirty="0"/>
+              <a:t> </a:t>
+            </a:r>
+            <a:r>
+              <a:rPr dirty="0" err="1"/>
+              <a:t>gyvenimui</a:t>
+            </a:r>
+            <a:r>
+              <a:rPr dirty="0"/>
+              <a:t>, </a:t>
+            </a:r>
+            <a:r>
+              <a:rPr dirty="0" err="1"/>
+              <a:t>darbui</a:t>
+            </a:r>
+            <a:r>
+              <a:rPr dirty="0"/>
+              <a:t> </a:t>
+            </a:r>
+            <a:r>
+              <a:rPr dirty="0" err="1"/>
+              <a:t>ir</a:t>
+            </a:r>
+            <a:r>
+              <a:rPr dirty="0"/>
+              <a:t> </a:t>
+            </a:r>
+            <a:r>
+              <a:rPr dirty="0" err="1"/>
+              <a:t>mokymuisi</a:t>
+            </a:r>
+            <a:r>
+              <a:rPr dirty="0"/>
+              <a:t>.</a:t>
+            </a:r>
+            <a:endParaRPr lang="en-GB" dirty="0"/>
+          </a:p>
+          <a:p>
+            <a:pPr marL="0" indent="0">
+              <a:buNone/>
+            </a:pPr>
+            <a:endParaRPr lang="en-GB" dirty="0"/>
+          </a:p>
+        </p:txBody>
+      </p:sp>
+    </p:spTree>
+  </p:cSld>
+  <p:clrMapOvr>
+    <a:masterClrMapping/>
+  </p:clrMapOvr>
+</p:sld>
+</file>
+
+<file path=ppt/slides/slide20.xml><?xml version="1.0" encoding="utf-8"?>
 <p:sld xmlns:a="http://schemas.openxmlformats.org/drawingml/2006/main" xmlns:r="http://schemas.openxmlformats.org/officeDocument/2006/relationships" xmlns:p="http://schemas.openxmlformats.org/presentationml/2006/main">
   <p:cSld>
     <p:spTree>
@@ -5165,182 +5448,7 @@
 </p:sld>
 </file>
 
-<file path=ppt/slides/slide2.xml><?xml version="1.0" encoding="utf-8"?>
-<p:sld xmlns:a="http://schemas.openxmlformats.org/drawingml/2006/main" xmlns:r="http://schemas.openxmlformats.org/officeDocument/2006/relationships" xmlns:p="http://schemas.openxmlformats.org/presentationml/2006/main">
-  <p:cSld>
-    <p:spTree>
-      <p:nvGrpSpPr>
-        <p:cNvPr id="1" name=""/>
-        <p:cNvGrpSpPr/>
-        <p:nvPr/>
-      </p:nvGrpSpPr>
-      <p:grpSpPr>
-        <a:xfrm>
-          <a:off x="0" y="0"/>
-          <a:ext cx="0" cy="0"/>
-          <a:chOff x="0" y="0"/>
-          <a:chExt cx="0" cy="0"/>
-        </a:xfrm>
-      </p:grpSpPr>
-      <p:sp>
-        <p:nvSpPr>
-          <p:cNvPr id="2" name="Title 1"/>
-          <p:cNvSpPr>
-            <a:spLocks noGrp="1"/>
-          </p:cNvSpPr>
-          <p:nvPr>
-            <p:ph type="title"/>
-          </p:nvPr>
-        </p:nvSpPr>
-        <p:spPr/>
-        <p:txBody>
-          <a:bodyPr/>
-          <a:lstStyle/>
-          <a:p>
-            <a:r>
-              <a:t>Tyrimo tikslas</a:t>
-            </a:r>
-          </a:p>
-        </p:txBody>
-      </p:sp>
-      <p:sp>
-        <p:nvSpPr>
-          <p:cNvPr id="3" name="Content Placeholder 2"/>
-          <p:cNvSpPr>
-            <a:spLocks noGrp="1"/>
-          </p:cNvSpPr>
-          <p:nvPr>
-            <p:ph idx="1"/>
-          </p:nvPr>
-        </p:nvSpPr>
-        <p:spPr/>
-        <p:txBody>
-          <a:bodyPr/>
-          <a:lstStyle/>
-          <a:p>
-            <a:r>
-              <a:rPr dirty="0" err="1"/>
-              <a:t>Ištirti</a:t>
-            </a:r>
-            <a:r>
-              <a:rPr dirty="0"/>
-              <a:t> </a:t>
-            </a:r>
-            <a:r>
-              <a:rPr dirty="0" err="1"/>
-              <a:t>visuomenės</a:t>
-            </a:r>
-            <a:r>
-              <a:rPr dirty="0"/>
-              <a:t> </a:t>
-            </a:r>
-            <a:r>
-              <a:rPr dirty="0" err="1"/>
-              <a:t>požiūrį</a:t>
-            </a:r>
-            <a:r>
-              <a:rPr dirty="0"/>
-              <a:t> į </a:t>
-            </a:r>
-            <a:r>
-              <a:rPr dirty="0" err="1"/>
-              <a:t>dirbtinį</a:t>
-            </a:r>
-            <a:r>
-              <a:rPr dirty="0"/>
-              <a:t> </a:t>
-            </a:r>
-            <a:r>
-              <a:rPr dirty="0" err="1"/>
-              <a:t>intelektą</a:t>
-            </a:r>
-            <a:r>
-              <a:rPr dirty="0"/>
-              <a:t> </a:t>
-            </a:r>
-            <a:r>
-              <a:rPr lang="lt-LT" dirty="0"/>
-              <a:t>A</a:t>
-            </a:r>
-            <a:r>
-              <a:rPr dirty="0"/>
-              <a:t>I) </a:t>
-            </a:r>
-            <a:r>
-              <a:rPr dirty="0" err="1"/>
-              <a:t>ir</a:t>
-            </a:r>
-            <a:r>
-              <a:rPr dirty="0"/>
-              <a:t> jo </a:t>
-            </a:r>
-            <a:r>
-              <a:rPr dirty="0" err="1"/>
-              <a:t>poveikį</a:t>
-            </a:r>
-            <a:r>
-              <a:rPr dirty="0"/>
-              <a:t> </a:t>
-            </a:r>
-            <a:r>
-              <a:rPr dirty="0" err="1"/>
-              <a:t>žmonių</a:t>
-            </a:r>
-            <a:r>
-              <a:rPr dirty="0"/>
-              <a:t> </a:t>
-            </a:r>
-            <a:r>
-              <a:rPr dirty="0" err="1"/>
-              <a:t>gyvenimui</a:t>
-            </a:r>
-            <a:r>
-              <a:rPr dirty="0"/>
-              <a:t>, </a:t>
-            </a:r>
-            <a:r>
-              <a:rPr dirty="0" err="1"/>
-              <a:t>darbui</a:t>
-            </a:r>
-            <a:r>
-              <a:rPr dirty="0"/>
-              <a:t> </a:t>
-            </a:r>
-            <a:r>
-              <a:rPr dirty="0" err="1"/>
-              <a:t>ir</a:t>
-            </a:r>
-            <a:r>
-              <a:rPr dirty="0"/>
-              <a:t> </a:t>
-            </a:r>
-            <a:r>
-              <a:rPr dirty="0" err="1"/>
-              <a:t>mokymuisi</a:t>
-            </a:r>
-            <a:r>
-              <a:rPr dirty="0"/>
-              <a:t>.</a:t>
-            </a:r>
-            <a:endParaRPr lang="en-GB" dirty="0"/>
-          </a:p>
-          <a:p>
-            <a:pPr marL="0" indent="0">
-              <a:buNone/>
-            </a:pPr>
-            <a:endParaRPr lang="en-GB" dirty="0"/>
-          </a:p>
-        </p:txBody>
-      </p:sp>
-    </p:spTree>
-  </p:cSld>
-  <p:clrMapOvr>
-    <a:masterClrMapping/>
-  </p:clrMapOvr>
-</p:sld>
-</file>
-
-<file path=ppt/slides/slide20.xml><?xml version="1.0" encoding="utf-8"?>
+<file path=ppt/slides/slide21.xml><?xml version="1.0" encoding="utf-8"?>
 <p:sld xmlns:a="http://schemas.openxmlformats.org/drawingml/2006/main" xmlns:r="http://schemas.openxmlformats.org/officeDocument/2006/relationships" xmlns:p="http://schemas.openxmlformats.org/presentationml/2006/main">
   <p:cSld>
     <p:spTree>
@@ -5483,7 +5591,7 @@
 </p:sld>
 </file>
 
-<file path=ppt/slides/slide21.xml><?xml version="1.0" encoding="utf-8"?>
+<file path=ppt/slides/slide22.xml><?xml version="1.0" encoding="utf-8"?>
 <p:sld xmlns:a="http://schemas.openxmlformats.org/drawingml/2006/main" xmlns:r="http://schemas.openxmlformats.org/officeDocument/2006/relationships" xmlns:p="http://schemas.openxmlformats.org/presentationml/2006/main">
   <p:cSld>
     <p:spTree>
@@ -5581,7 +5689,7 @@
 </p:sld>
 </file>
 
-<file path=ppt/slides/slide22.xml><?xml version="1.0" encoding="utf-8"?>
+<file path=ppt/slides/slide23.xml><?xml version="1.0" encoding="utf-8"?>
 <p:sld xmlns:a="http://schemas.openxmlformats.org/drawingml/2006/main" xmlns:r="http://schemas.openxmlformats.org/officeDocument/2006/relationships" xmlns:p="http://schemas.openxmlformats.org/presentationml/2006/main">
   <p:cSld>
     <p:spTree>
@@ -6004,6 +6112,108 @@
 </file>
 
 <file path=ppt/slides/slide5.xml><?xml version="1.0" encoding="utf-8"?>
+<p:sld xmlns:a="http://schemas.openxmlformats.org/drawingml/2006/main" xmlns:r="http://schemas.openxmlformats.org/officeDocument/2006/relationships" xmlns:p="http://schemas.openxmlformats.org/presentationml/2006/main">
+  <p:cSld>
+    <p:spTree>
+      <p:nvGrpSpPr>
+        <p:cNvPr id="1" name=""/>
+        <p:cNvGrpSpPr/>
+        <p:nvPr/>
+      </p:nvGrpSpPr>
+      <p:grpSpPr>
+        <a:xfrm>
+          <a:off x="0" y="0"/>
+          <a:ext cx="0" cy="0"/>
+          <a:chOff x="0" y="0"/>
+          <a:chExt cx="0" cy="0"/>
+        </a:xfrm>
+      </p:grpSpPr>
+      <p:sp>
+        <p:nvSpPr>
+          <p:cNvPr id="2" name="Title 1">
+            <a:extLst>
+              <a:ext uri="{FF2B5EF4-FFF2-40B4-BE49-F238E27FC236}">
+                <a16:creationId xmlns:a16="http://schemas.microsoft.com/office/drawing/2014/main" id="{D572CA3C-0BE9-6269-64E2-6DD1DC82B883}"/>
+              </a:ext>
+            </a:extLst>
+          </p:cNvPr>
+          <p:cNvSpPr>
+            <a:spLocks noGrp="1"/>
+          </p:cNvSpPr>
+          <p:nvPr>
+            <p:ph type="title"/>
+          </p:nvPr>
+        </p:nvSpPr>
+        <p:spPr/>
+        <p:txBody>
+          <a:bodyPr/>
+          <a:lstStyle/>
+          <a:p>
+            <a:r>
+              <a:rPr lang="en-GB" dirty="0" err="1"/>
+              <a:t>Respondentų</a:t>
+            </a:r>
+            <a:r>
+              <a:rPr lang="en-GB" dirty="0"/>
+              <a:t> </a:t>
+            </a:r>
+            <a:r>
+              <a:rPr lang="en-GB" dirty="0" err="1"/>
+              <a:t>charekteristika</a:t>
+            </a:r>
+            <a:endParaRPr lang="en-US" dirty="0"/>
+          </a:p>
+        </p:txBody>
+      </p:sp>
+      <p:pic>
+        <p:nvPicPr>
+          <p:cNvPr id="4" name="Content Placeholder 3">
+            <a:extLst>
+              <a:ext uri="{FF2B5EF4-FFF2-40B4-BE49-F238E27FC236}">
+                <a16:creationId xmlns:a16="http://schemas.microsoft.com/office/drawing/2014/main" id="{C1C5CD97-EB8B-51E3-DD62-B383ED805F28}"/>
+              </a:ext>
+            </a:extLst>
+          </p:cNvPr>
+          <p:cNvPicPr>
+            <a:picLocks noGrp="1" noChangeAspect="1"/>
+          </p:cNvPicPr>
+          <p:nvPr>
+            <p:ph idx="1"/>
+          </p:nvPr>
+        </p:nvPicPr>
+        <p:blipFill>
+          <a:blip r:embed="rId2">
+            <a:extLst>
+              <a:ext uri="{28A0092B-C50C-407E-A947-70E740481C1C}">
+                <a14:useLocalDpi xmlns:a14="http://schemas.microsoft.com/office/drawing/2010/main" val="0"/>
+              </a:ext>
+            </a:extLst>
+          </a:blip>
+          <a:stretch>
+            <a:fillRect/>
+          </a:stretch>
+        </p:blipFill>
+        <p:spPr>
+          <a:xfrm>
+            <a:off x="838200" y="1690688"/>
+            <a:ext cx="4609833" cy="4351338"/>
+          </a:xfrm>
+        </p:spPr>
+      </p:pic>
+    </p:spTree>
+    <p:extLst>
+      <p:ext uri="{BB962C8B-B14F-4D97-AF65-F5344CB8AC3E}">
+        <p14:creationId xmlns:p14="http://schemas.microsoft.com/office/powerpoint/2010/main" val="3223430005"/>
+      </p:ext>
+    </p:extLst>
+  </p:cSld>
+  <p:clrMapOvr>
+    <a:masterClrMapping/>
+  </p:clrMapOvr>
+</p:sld>
+</file>
+
+<file path=ppt/slides/slide6.xml><?xml version="1.0" encoding="utf-8"?>
 <p:sld xmlns:a="http://schemas.openxmlformats.org/drawingml/2006/main" xmlns:r="http://schemas.openxmlformats.org/officeDocument/2006/relationships" xmlns:p="http://schemas.openxmlformats.org/presentationml/2006/main">
   <p:cSld>
     <p:spTree>
@@ -6151,106 +6361,6 @@
 </p:sld>
 </file>
 
-<file path=ppt/slides/slide6.xml><?xml version="1.0" encoding="utf-8"?>
-<p:sld xmlns:a="http://schemas.openxmlformats.org/drawingml/2006/main" xmlns:r="http://schemas.openxmlformats.org/officeDocument/2006/relationships" xmlns:p="http://schemas.openxmlformats.org/presentationml/2006/main">
-  <p:cSld>
-    <p:spTree>
-      <p:nvGrpSpPr>
-        <p:cNvPr id="1" name=""/>
-        <p:cNvGrpSpPr/>
-        <p:nvPr/>
-      </p:nvGrpSpPr>
-      <p:grpSpPr>
-        <a:xfrm>
-          <a:off x="0" y="0"/>
-          <a:ext cx="0" cy="0"/>
-          <a:chOff x="0" y="0"/>
-          <a:chExt cx="0" cy="0"/>
-        </a:xfrm>
-      </p:grpSpPr>
-      <p:sp>
-        <p:nvSpPr>
-          <p:cNvPr id="2" name="Title 1">
-            <a:extLst>
-              <a:ext uri="{FF2B5EF4-FFF2-40B4-BE49-F238E27FC236}">
-                <a16:creationId xmlns:a16="http://schemas.microsoft.com/office/drawing/2014/main" id="{570FE732-1725-4D05-BE05-C107A774F74D}"/>
-              </a:ext>
-            </a:extLst>
-          </p:cNvPr>
-          <p:cNvSpPr>
-            <a:spLocks noGrp="1"/>
-          </p:cNvSpPr>
-          <p:nvPr>
-            <p:ph type="title"/>
-          </p:nvPr>
-        </p:nvSpPr>
-        <p:spPr>
-          <a:xfrm>
-            <a:off x="838199" y="365125"/>
-            <a:ext cx="10596073" cy="1325563"/>
-          </a:xfrm>
-        </p:spPr>
-        <p:txBody>
-          <a:bodyPr/>
-          <a:lstStyle/>
-          <a:p>
-            <a:r>
-              <a:rPr lang="lt-LT" dirty="0">
-                <a:effectLst/>
-                <a:ea typeface="Calibri" panose="020F0502020204030204" pitchFamily="34" charset="0"/>
-                <a:cs typeface="Arial" panose="020B0604020202020204" pitchFamily="34" charset="0"/>
-              </a:rPr>
-              <a:t>An Inventory of AI ethics: Analyzing 100 documents</a:t>
-            </a:r>
-            <a:endParaRPr lang="en-US" dirty="0"/>
-          </a:p>
-        </p:txBody>
-      </p:sp>
-      <p:sp>
-        <p:nvSpPr>
-          <p:cNvPr id="3" name="Content Placeholder 2">
-            <a:extLst>
-              <a:ext uri="{FF2B5EF4-FFF2-40B4-BE49-F238E27FC236}">
-                <a16:creationId xmlns:a16="http://schemas.microsoft.com/office/drawing/2014/main" id="{6F76D30B-D66B-43CA-8706-360DEEE2BB85}"/>
-              </a:ext>
-            </a:extLst>
-          </p:cNvPr>
-          <p:cNvSpPr>
-            <a:spLocks noGrp="1"/>
-          </p:cNvSpPr>
-          <p:nvPr>
-            <p:ph idx="1"/>
-          </p:nvPr>
-        </p:nvSpPr>
-        <p:spPr/>
-        <p:txBody>
-          <a:bodyPr/>
-          <a:lstStyle/>
-          <a:p>
-            <a:pPr marL="0" indent="0">
-              <a:buNone/>
-            </a:pPr>
-            <a:r>
-              <a:rPr lang="lt-LT" dirty="0"/>
-              <a:t>Dirbtinis intelektas (AI) tampa neatsiejama darbo vietų dalimi, keisdamas tradicinius procesus ir suteikdamas naujų galimybių.</a:t>
-            </a:r>
-            <a:endParaRPr lang="en-US" dirty="0"/>
-          </a:p>
-        </p:txBody>
-      </p:sp>
-    </p:spTree>
-    <p:extLst>
-      <p:ext uri="{BB962C8B-B14F-4D97-AF65-F5344CB8AC3E}">
-        <p14:creationId xmlns:p14="http://schemas.microsoft.com/office/powerpoint/2010/main" val="2066224686"/>
-      </p:ext>
-    </p:extLst>
-  </p:cSld>
-  <p:clrMapOvr>
-    <a:masterClrMapping/>
-  </p:clrMapOvr>
-</p:sld>
-</file>
-
 <file path=ppt/slides/slide7.xml><?xml version="1.0" encoding="utf-8"?>
 <p:sld xmlns:a="http://schemas.openxmlformats.org/drawingml/2006/main" xmlns:r="http://schemas.openxmlformats.org/officeDocument/2006/relationships" xmlns:p="http://schemas.openxmlformats.org/presentationml/2006/main">
   <p:cSld>
@@ -6300,7 +6410,7 @@
                 <a:ea typeface="Calibri" panose="020F0502020204030204" pitchFamily="34" charset="0"/>
                 <a:cs typeface="Arial" panose="020B0604020202020204" pitchFamily="34" charset="0"/>
               </a:rPr>
-              <a:t>An Inventory of AI ethics: Analyzing 100 documents: mokymuose</a:t>
+              <a:t>An Inventory of AI ethics: Analyzing 100 documents</a:t>
             </a:r>
             <a:endParaRPr lang="en-US" dirty="0"/>
           </a:p>
@@ -6332,7 +6442,7 @@
             </a:pPr>
             <a:r>
               <a:rPr lang="lt-LT" dirty="0"/>
-              <a:t>Švietimo srityje AI technologijos transformuoja mokymosi procesą. Personalizuotos mokymosi platformos naudoja AI algoritmus, pritaikant mokymosi turinį pagal studentų poreikius.</a:t>
+              <a:t>Dirbtinis intelektas (AI) tampa neatsiejama darbo vietų dalimi, keisdamas tradicinius procesus ir suteikdamas naujų galimybių.</a:t>
             </a:r>
             <a:endParaRPr lang="en-US" dirty="0"/>
           </a:p>
@@ -6341,7 +6451,7 @@
     </p:spTree>
     <p:extLst>
       <p:ext uri="{BB962C8B-B14F-4D97-AF65-F5344CB8AC3E}">
-        <p14:creationId xmlns:p14="http://schemas.microsoft.com/office/powerpoint/2010/main" val="2674702852"/>
+        <p14:creationId xmlns:p14="http://schemas.microsoft.com/office/powerpoint/2010/main" val="2066224686"/>
       </p:ext>
     </p:extLst>
   </p:cSld>
@@ -6400,14 +6510,7 @@
                 <a:ea typeface="Calibri" panose="020F0502020204030204" pitchFamily="34" charset="0"/>
                 <a:cs typeface="Arial" panose="020B0604020202020204" pitchFamily="34" charset="0"/>
               </a:rPr>
-              <a:t>An Inventory of AI ethics: Analyzing 100 documents: </a:t>
-            </a:r>
-            <a:r>
-              <a:rPr lang="lt-LT" dirty="0">
-                <a:ea typeface="Calibri" panose="020F0502020204030204" pitchFamily="34" charset="0"/>
-                <a:cs typeface="Arial" panose="020B0604020202020204" pitchFamily="34" charset="0"/>
-              </a:rPr>
-              <a:t>kūryboje</a:t>
+              <a:t>An Inventory of AI ethics: Analyzing 100 documents: mokymuose</a:t>
             </a:r>
             <a:endParaRPr lang="en-US" dirty="0"/>
           </a:p>
@@ -6439,74 +6542,16 @@
             </a:pPr>
             <a:r>
               <a:rPr lang="lt-LT" dirty="0"/>
-              <a:t>Kūrybinėje srityje AI įrankiai, tokie kaip DALL-E, leidžia menininkams ir dizaineriams kurti unikalius vaizdus pagal tekstinius aprašymus..</a:t>
+              <a:t>Švietimo srityje AI technologijos transformuoja mokymosi procesą. Personalizuotos mokymosi platformos naudoja AI algoritmus, pritaikant mokymosi turinį pagal studentų poreikius.</a:t>
             </a:r>
             <a:endParaRPr lang="en-US" dirty="0"/>
           </a:p>
         </p:txBody>
       </p:sp>
-      <p:pic>
-        <p:nvPicPr>
-          <p:cNvPr id="7" name="Picture 6">
-            <a:extLst>
-              <a:ext uri="{FF2B5EF4-FFF2-40B4-BE49-F238E27FC236}">
-                <a16:creationId xmlns:a16="http://schemas.microsoft.com/office/drawing/2014/main" id="{14BA480F-75AD-40D4-B475-56E67957532A}"/>
-              </a:ext>
-            </a:extLst>
-          </p:cNvPr>
-          <p:cNvPicPr>
-            <a:picLocks noChangeAspect="1"/>
-          </p:cNvPicPr>
-          <p:nvPr/>
-        </p:nvPicPr>
-        <p:blipFill>
-          <a:blip r:embed="rId2"/>
-          <a:stretch>
-            <a:fillRect/>
-          </a:stretch>
-        </p:blipFill>
-        <p:spPr>
-          <a:xfrm>
-            <a:off x="7170351" y="3110608"/>
-            <a:ext cx="3058966" cy="3066355"/>
-          </a:xfrm>
-          <a:prstGeom prst="rect">
-            <a:avLst/>
-          </a:prstGeom>
-        </p:spPr>
-      </p:pic>
-      <p:pic>
-        <p:nvPicPr>
-          <p:cNvPr id="8" name="Picture 7">
-            <a:extLst>
-              <a:ext uri="{FF2B5EF4-FFF2-40B4-BE49-F238E27FC236}">
-                <a16:creationId xmlns:a16="http://schemas.microsoft.com/office/drawing/2014/main" id="{A10B1481-8388-4DBD-B915-E2ADB5B872E0}"/>
-              </a:ext>
-            </a:extLst>
-          </p:cNvPr>
-          <p:cNvPicPr/>
-          <p:nvPr/>
-        </p:nvPicPr>
-        <p:blipFill>
-          <a:blip r:embed="rId3"/>
-          <a:stretch>
-            <a:fillRect/>
-          </a:stretch>
-        </p:blipFill>
-        <p:spPr>
-          <a:xfrm>
-            <a:off x="2745817" y="3640509"/>
-            <a:ext cx="2672646" cy="2778163"/>
-          </a:xfrm>
-          <a:prstGeom prst="rect">
-            <a:avLst/>
-          </a:prstGeom>
-        </p:spPr>
-      </p:pic>
     </p:spTree>
     <p:extLst>
       <p:ext uri="{BB962C8B-B14F-4D97-AF65-F5344CB8AC3E}">
-        <p14:creationId xmlns:p14="http://schemas.microsoft.com/office/powerpoint/2010/main" val="886775430"/>
+        <p14:creationId xmlns:p14="http://schemas.microsoft.com/office/powerpoint/2010/main" val="2674702852"/>
       </p:ext>
     </p:extLst>
   </p:cSld>
@@ -6572,7 +6617,7 @@
                 <a:ea typeface="Calibri" panose="020F0502020204030204" pitchFamily="34" charset="0"/>
                 <a:cs typeface="Arial" panose="020B0604020202020204" pitchFamily="34" charset="0"/>
               </a:rPr>
-              <a:t>Etika</a:t>
+              <a:t>kūryboje</a:t>
             </a:r>
             <a:endParaRPr lang="en-US" dirty="0"/>
           </a:p>
@@ -6604,16 +6649,74 @@
             </a:pPr>
             <a:r>
               <a:rPr lang="lt-LT" dirty="0"/>
-              <a:t>AI plėtra kelia etinių problemų, svarbu užtikrinti, kad AI būtų naudojamas atsakingai, laikantis etikos principų ir normų, siekiant apsaugoti individų teises ir laisves.</a:t>
+              <a:t>Kūrybinėje srityje AI įrankiai, tokie kaip DALL-E, leidžia menininkams ir dizaineriams kurti unikalius vaizdus pagal tekstinius aprašymus..</a:t>
             </a:r>
             <a:endParaRPr lang="en-US" dirty="0"/>
           </a:p>
         </p:txBody>
       </p:sp>
+      <p:pic>
+        <p:nvPicPr>
+          <p:cNvPr id="7" name="Picture 6">
+            <a:extLst>
+              <a:ext uri="{FF2B5EF4-FFF2-40B4-BE49-F238E27FC236}">
+                <a16:creationId xmlns:a16="http://schemas.microsoft.com/office/drawing/2014/main" id="{14BA480F-75AD-40D4-B475-56E67957532A}"/>
+              </a:ext>
+            </a:extLst>
+          </p:cNvPr>
+          <p:cNvPicPr>
+            <a:picLocks noChangeAspect="1"/>
+          </p:cNvPicPr>
+          <p:nvPr/>
+        </p:nvPicPr>
+        <p:blipFill>
+          <a:blip r:embed="rId2"/>
+          <a:stretch>
+            <a:fillRect/>
+          </a:stretch>
+        </p:blipFill>
+        <p:spPr>
+          <a:xfrm>
+            <a:off x="7170351" y="3110608"/>
+            <a:ext cx="3058966" cy="3066355"/>
+          </a:xfrm>
+          <a:prstGeom prst="rect">
+            <a:avLst/>
+          </a:prstGeom>
+        </p:spPr>
+      </p:pic>
+      <p:pic>
+        <p:nvPicPr>
+          <p:cNvPr id="8" name="Picture 7">
+            <a:extLst>
+              <a:ext uri="{FF2B5EF4-FFF2-40B4-BE49-F238E27FC236}">
+                <a16:creationId xmlns:a16="http://schemas.microsoft.com/office/drawing/2014/main" id="{A10B1481-8388-4DBD-B915-E2ADB5B872E0}"/>
+              </a:ext>
+            </a:extLst>
+          </p:cNvPr>
+          <p:cNvPicPr/>
+          <p:nvPr/>
+        </p:nvPicPr>
+        <p:blipFill>
+          <a:blip r:embed="rId3"/>
+          <a:stretch>
+            <a:fillRect/>
+          </a:stretch>
+        </p:blipFill>
+        <p:spPr>
+          <a:xfrm>
+            <a:off x="2745817" y="3640509"/>
+            <a:ext cx="2672646" cy="2778163"/>
+          </a:xfrm>
+          <a:prstGeom prst="rect">
+            <a:avLst/>
+          </a:prstGeom>
+        </p:spPr>
+      </p:pic>
     </p:spTree>
     <p:extLst>
       <p:ext uri="{BB962C8B-B14F-4D97-AF65-F5344CB8AC3E}">
-        <p14:creationId xmlns:p14="http://schemas.microsoft.com/office/powerpoint/2010/main" val="2667031290"/>
+        <p14:creationId xmlns:p14="http://schemas.microsoft.com/office/powerpoint/2010/main" val="886775430"/>
       </p:ext>
     </p:extLst>
   </p:cSld>
@@ -6919,6 +7022,15 @@
 </file>
 
 <file path=customXml/item1.xml><?xml version="1.0" encoding="utf-8"?>
+<?mso-contentType ?>
+<FormTemplates xmlns="http://schemas.microsoft.com/sharepoint/v3/contenttype/forms">
+  <Display>DocumentLibraryForm</Display>
+  <Edit>DocumentLibraryForm</Edit>
+  <New>DocumentLibraryForm</New>
+</FormTemplates>
+</file>
+
+<file path=customXml/item2.xml><?xml version="1.0" encoding="utf-8"?>
 <ct:contentTypeSchema xmlns:ct="http://schemas.microsoft.com/office/2006/metadata/contentType" xmlns:ma="http://schemas.microsoft.com/office/2006/metadata/properties/metaAttributes" ct:_="" ma:_="" ma:contentTypeName="Document" ma:contentTypeID="0x010100A4931DFCC9BC6B4D812DF8F67DF15900" ma:contentTypeVersion="18" ma:contentTypeDescription="Create a new document." ma:contentTypeScope="" ma:versionID="1500be919dd62d71e25156b5e39c874d">
   <xsd:schema xmlns:xsd="http://www.w3.org/2001/XMLSchema" xmlns:xs="http://www.w3.org/2001/XMLSchema" xmlns:p="http://schemas.microsoft.com/office/2006/metadata/properties" xmlns:ns3="b92ea931-a124-43a6-b694-04f0afbb4f0a" xmlns:ns4="412e92c6-d7c6-4b01-bc13-bf9fdc893b7a" targetNamespace="http://schemas.microsoft.com/office/2006/metadata/properties" ma:root="true" ma:fieldsID="a48f2632c92b202eb9fde468659e2c0f" ns3:_="" ns4:_="">
     <xsd:import namespace="b92ea931-a124-43a6-b694-04f0afbb4f0a"/>
@@ -7171,15 +7283,6 @@
 </ct:contentTypeSchema>
 </file>
 
-<file path=customXml/item2.xml><?xml version="1.0" encoding="utf-8"?>
-<?mso-contentType ?>
-<FormTemplates xmlns="http://schemas.microsoft.com/sharepoint/v3/contenttype/forms">
-  <Display>DocumentLibraryForm</Display>
-  <Edit>DocumentLibraryForm</Edit>
-  <New>DocumentLibraryForm</New>
-</FormTemplates>
-</file>
-
 <file path=customXml/item3.xml><?xml version="1.0" encoding="utf-8"?>
 <p:properties xmlns:p="http://schemas.microsoft.com/office/2006/metadata/properties" xmlns:xsi="http://www.w3.org/2001/XMLSchema-instance" xmlns:pc="http://schemas.microsoft.com/office/infopath/2007/PartnerControls">
   <documentManagement>
@@ -7189,6 +7292,14 @@
 </file>
 
 <file path=customXml/itemProps1.xml><?xml version="1.0" encoding="utf-8"?>
+<ds:datastoreItem xmlns:ds="http://schemas.openxmlformats.org/officeDocument/2006/customXml" ds:itemID="{41FF80C7-AFA0-4FCE-9870-5301C3E98722}">
+  <ds:schemaRefs>
+    <ds:schemaRef ds:uri="http://schemas.microsoft.com/sharepoint/v3/contenttype/forms"/>
+  </ds:schemaRefs>
+</ds:datastoreItem>
+</file>
+
+<file path=customXml/itemProps2.xml><?xml version="1.0" encoding="utf-8"?>
 <ds:datastoreItem xmlns:ds="http://schemas.openxmlformats.org/officeDocument/2006/customXml" ds:itemID="{AFE316E9-91C0-4D36-8DDE-661E7E1AAE4E}">
   <ds:schemaRefs>
     <ds:schemaRef ds:uri="http://schemas.microsoft.com/office/2006/metadata/contentType"/>
@@ -7197,14 +7308,6 @@
     <ds:schemaRef ds:uri="http://www.w3.org/2001/XMLSchema"/>
     <ds:schemaRef ds:uri="b92ea931-a124-43a6-b694-04f0afbb4f0a"/>
     <ds:schemaRef ds:uri="412e92c6-d7c6-4b01-bc13-bf9fdc893b7a"/>
-  </ds:schemaRefs>
-</ds:datastoreItem>
-</file>
-
-<file path=customXml/itemProps2.xml><?xml version="1.0" encoding="utf-8"?>
-<ds:datastoreItem xmlns:ds="http://schemas.openxmlformats.org/officeDocument/2006/customXml" ds:itemID="{41FF80C7-AFA0-4FCE-9870-5301C3E98722}">
-  <ds:schemaRefs>
-    <ds:schemaRef ds:uri="http://schemas.microsoft.com/sharepoint/v3/contenttype/forms"/>
   </ds:schemaRefs>
 </ds:datastoreItem>
 </file>

--- a/Tyrimo pristatymas_žodžiu_Sidas_Dieliautas_PI22B.pptx
+++ b/Tyrimo pristatymas_žodžiu_Sidas_Dieliautas_PI22B.pptx
@@ -6077,8 +6077,12 @@
           </a:p>
           <a:p>
             <a:r>
+              <a:rPr lang="en-GB" dirty="0"/>
+              <a:t>B</a:t>
+            </a:r>
+            <a:r>
               <a:rPr lang="lt-LT" dirty="0"/>
-              <a:t>Tyrimas buvo atliktas per kelias savaites, buvo apklausta studentų ir vyresnių žmonių.</a:t>
+              <a:t>uvo apklausta studentų ir vyresnių žmonių.</a:t>
             </a:r>
           </a:p>
           <a:p>
@@ -7022,15 +7026,6 @@
 </file>
 
 <file path=customXml/item1.xml><?xml version="1.0" encoding="utf-8"?>
-<?mso-contentType ?>
-<FormTemplates xmlns="http://schemas.microsoft.com/sharepoint/v3/contenttype/forms">
-  <Display>DocumentLibraryForm</Display>
-  <Edit>DocumentLibraryForm</Edit>
-  <New>DocumentLibraryForm</New>
-</FormTemplates>
-</file>
-
-<file path=customXml/item2.xml><?xml version="1.0" encoding="utf-8"?>
 <ct:contentTypeSchema xmlns:ct="http://schemas.microsoft.com/office/2006/metadata/contentType" xmlns:ma="http://schemas.microsoft.com/office/2006/metadata/properties/metaAttributes" ct:_="" ma:_="" ma:contentTypeName="Document" ma:contentTypeID="0x010100A4931DFCC9BC6B4D812DF8F67DF15900" ma:contentTypeVersion="18" ma:contentTypeDescription="Create a new document." ma:contentTypeScope="" ma:versionID="1500be919dd62d71e25156b5e39c874d">
   <xsd:schema xmlns:xsd="http://www.w3.org/2001/XMLSchema" xmlns:xs="http://www.w3.org/2001/XMLSchema" xmlns:p="http://schemas.microsoft.com/office/2006/metadata/properties" xmlns:ns3="b92ea931-a124-43a6-b694-04f0afbb4f0a" xmlns:ns4="412e92c6-d7c6-4b01-bc13-bf9fdc893b7a" targetNamespace="http://schemas.microsoft.com/office/2006/metadata/properties" ma:root="true" ma:fieldsID="a48f2632c92b202eb9fde468659e2c0f" ns3:_="" ns4:_="">
     <xsd:import namespace="b92ea931-a124-43a6-b694-04f0afbb4f0a"/>
@@ -7283,6 +7278,15 @@
 </ct:contentTypeSchema>
 </file>
 
+<file path=customXml/item2.xml><?xml version="1.0" encoding="utf-8"?>
+<?mso-contentType ?>
+<FormTemplates xmlns="http://schemas.microsoft.com/sharepoint/v3/contenttype/forms">
+  <Display>DocumentLibraryForm</Display>
+  <Edit>DocumentLibraryForm</Edit>
+  <New>DocumentLibraryForm</New>
+</FormTemplates>
+</file>
+
 <file path=customXml/item3.xml><?xml version="1.0" encoding="utf-8"?>
 <p:properties xmlns:p="http://schemas.microsoft.com/office/2006/metadata/properties" xmlns:xsi="http://www.w3.org/2001/XMLSchema-instance" xmlns:pc="http://schemas.microsoft.com/office/infopath/2007/PartnerControls">
   <documentManagement>
@@ -7292,14 +7296,6 @@
 </file>
 
 <file path=customXml/itemProps1.xml><?xml version="1.0" encoding="utf-8"?>
-<ds:datastoreItem xmlns:ds="http://schemas.openxmlformats.org/officeDocument/2006/customXml" ds:itemID="{41FF80C7-AFA0-4FCE-9870-5301C3E98722}">
-  <ds:schemaRefs>
-    <ds:schemaRef ds:uri="http://schemas.microsoft.com/sharepoint/v3/contenttype/forms"/>
-  </ds:schemaRefs>
-</ds:datastoreItem>
-</file>
-
-<file path=customXml/itemProps2.xml><?xml version="1.0" encoding="utf-8"?>
 <ds:datastoreItem xmlns:ds="http://schemas.openxmlformats.org/officeDocument/2006/customXml" ds:itemID="{AFE316E9-91C0-4D36-8DDE-661E7E1AAE4E}">
   <ds:schemaRefs>
     <ds:schemaRef ds:uri="http://schemas.microsoft.com/office/2006/metadata/contentType"/>
@@ -7308,6 +7304,14 @@
     <ds:schemaRef ds:uri="http://www.w3.org/2001/XMLSchema"/>
     <ds:schemaRef ds:uri="b92ea931-a124-43a6-b694-04f0afbb4f0a"/>
     <ds:schemaRef ds:uri="412e92c6-d7c6-4b01-bc13-bf9fdc893b7a"/>
+  </ds:schemaRefs>
+</ds:datastoreItem>
+</file>
+
+<file path=customXml/itemProps2.xml><?xml version="1.0" encoding="utf-8"?>
+<ds:datastoreItem xmlns:ds="http://schemas.openxmlformats.org/officeDocument/2006/customXml" ds:itemID="{41FF80C7-AFA0-4FCE-9870-5301C3E98722}">
+  <ds:schemaRefs>
+    <ds:schemaRef ds:uri="http://schemas.microsoft.com/sharepoint/v3/contenttype/forms"/>
   </ds:schemaRefs>
 </ds:datastoreItem>
 </file>

--- a/Tyrimo pristatymas_žodžiu_Sidas_Dieliautas_PI22B.pptx
+++ b/Tyrimo pristatymas_žodžiu_Sidas_Dieliautas_PI22B.pptx
@@ -22,12 +22,14 @@
     <p:sldId id="274" r:id="rId19"/>
     <p:sldId id="260" r:id="rId20"/>
     <p:sldId id="275" r:id="rId21"/>
-    <p:sldId id="276" r:id="rId22"/>
-    <p:sldId id="277" r:id="rId23"/>
-    <p:sldId id="278" r:id="rId24"/>
-    <p:sldId id="279" r:id="rId25"/>
-    <p:sldId id="262" r:id="rId26"/>
-    <p:sldId id="263" r:id="rId27"/>
+    <p:sldId id="281" r:id="rId22"/>
+    <p:sldId id="282" r:id="rId23"/>
+    <p:sldId id="276" r:id="rId24"/>
+    <p:sldId id="277" r:id="rId25"/>
+    <p:sldId id="278" r:id="rId26"/>
+    <p:sldId id="279" r:id="rId27"/>
+    <p:sldId id="262" r:id="rId28"/>
+    <p:sldId id="263" r:id="rId29"/>
   </p:sldIdLst>
   <p:sldSz cx="12192000" cy="6858000"/>
   <p:notesSz cx="6858000" cy="9144000"/>
@@ -4866,6 +4868,385 @@
           <p:cNvPr id="2" name="Title 1">
             <a:extLst>
               <a:ext uri="{FF2B5EF4-FFF2-40B4-BE49-F238E27FC236}">
+                <a16:creationId xmlns:a16="http://schemas.microsoft.com/office/drawing/2014/main" id="{A18CD0F6-0F1E-391B-FE2B-32E94574D63A}"/>
+              </a:ext>
+            </a:extLst>
+          </p:cNvPr>
+          <p:cNvSpPr>
+            <a:spLocks noGrp="1"/>
+          </p:cNvSpPr>
+          <p:nvPr>
+            <p:ph type="title"/>
+          </p:nvPr>
+        </p:nvSpPr>
+        <p:spPr/>
+        <p:txBody>
+          <a:bodyPr/>
+          <a:lstStyle/>
+          <a:p>
+            <a:r>
+              <a:rPr lang="en-GB" dirty="0" err="1"/>
+              <a:t>Pagrindiniai</a:t>
+            </a:r>
+            <a:r>
+              <a:rPr lang="en-GB" dirty="0"/>
+              <a:t> </a:t>
+            </a:r>
+            <a:r>
+              <a:rPr lang="en-GB" dirty="0" err="1"/>
+              <a:t>tyrimai</a:t>
+            </a:r>
+            <a:endParaRPr lang="en-US" dirty="0"/>
+          </a:p>
+        </p:txBody>
+      </p:sp>
+      <p:pic>
+        <p:nvPicPr>
+          <p:cNvPr id="4" name="Content Placeholder 3">
+            <a:extLst>
+              <a:ext uri="{FF2B5EF4-FFF2-40B4-BE49-F238E27FC236}">
+                <a16:creationId xmlns:a16="http://schemas.microsoft.com/office/drawing/2014/main" id="{AC752AEE-9A50-A5D5-C7F8-88DBE925C131}"/>
+              </a:ext>
+            </a:extLst>
+          </p:cNvPr>
+          <p:cNvPicPr>
+            <a:picLocks noGrp="1" noChangeAspect="1"/>
+          </p:cNvPicPr>
+          <p:nvPr>
+            <p:ph idx="1"/>
+          </p:nvPr>
+        </p:nvPicPr>
+        <p:blipFill>
+          <a:blip r:embed="rId2">
+            <a:extLst>
+              <a:ext uri="{28A0092B-C50C-407E-A947-70E740481C1C}">
+                <a14:useLocalDpi xmlns:a14="http://schemas.microsoft.com/office/drawing/2010/main" val="0"/>
+              </a:ext>
+            </a:extLst>
+          </a:blip>
+          <a:stretch>
+            <a:fillRect/>
+          </a:stretch>
+        </p:blipFill>
+        <p:spPr>
+          <a:xfrm>
+            <a:off x="838200" y="1690688"/>
+            <a:ext cx="3967247" cy="4351338"/>
+          </a:xfrm>
+        </p:spPr>
+      </p:pic>
+    </p:spTree>
+    <p:extLst>
+      <p:ext uri="{BB962C8B-B14F-4D97-AF65-F5344CB8AC3E}">
+        <p14:creationId xmlns:p14="http://schemas.microsoft.com/office/powerpoint/2010/main" val="3250552104"/>
+      </p:ext>
+    </p:extLst>
+  </p:cSld>
+  <p:clrMapOvr>
+    <a:masterClrMapping/>
+  </p:clrMapOvr>
+</p:sld>
+</file>
+
+<file path=ppt/slides/slide19.xml><?xml version="1.0" encoding="utf-8"?>
+<p:sld xmlns:a="http://schemas.openxmlformats.org/drawingml/2006/main" xmlns:r="http://schemas.openxmlformats.org/officeDocument/2006/relationships" xmlns:p="http://schemas.openxmlformats.org/presentationml/2006/main">
+  <p:cSld>
+    <p:spTree>
+      <p:nvGrpSpPr>
+        <p:cNvPr id="1" name=""/>
+        <p:cNvGrpSpPr/>
+        <p:nvPr/>
+      </p:nvGrpSpPr>
+      <p:grpSpPr>
+        <a:xfrm>
+          <a:off x="0" y="0"/>
+          <a:ext cx="0" cy="0"/>
+          <a:chOff x="0" y="0"/>
+          <a:chExt cx="0" cy="0"/>
+        </a:xfrm>
+      </p:grpSpPr>
+      <p:sp>
+        <p:nvSpPr>
+          <p:cNvPr id="2" name="Title 1">
+            <a:extLst>
+              <a:ext uri="{FF2B5EF4-FFF2-40B4-BE49-F238E27FC236}">
+                <a16:creationId xmlns:a16="http://schemas.microsoft.com/office/drawing/2014/main" id="{F0C39C54-0998-7A5B-EBBB-BEBDABCD491C}"/>
+              </a:ext>
+            </a:extLst>
+          </p:cNvPr>
+          <p:cNvSpPr>
+            <a:spLocks noGrp="1"/>
+          </p:cNvSpPr>
+          <p:nvPr>
+            <p:ph type="title"/>
+          </p:nvPr>
+        </p:nvSpPr>
+        <p:spPr/>
+        <p:txBody>
+          <a:bodyPr/>
+          <a:lstStyle/>
+          <a:p>
+            <a:r>
+              <a:rPr lang="en-GB" dirty="0" err="1"/>
+              <a:t>Pagrindiniai</a:t>
+            </a:r>
+            <a:r>
+              <a:rPr lang="en-GB" dirty="0"/>
+              <a:t> </a:t>
+            </a:r>
+            <a:r>
+              <a:rPr lang="en-GB" dirty="0" err="1"/>
+              <a:t>tyrimai</a:t>
+            </a:r>
+            <a:endParaRPr lang="en-US" dirty="0"/>
+          </a:p>
+        </p:txBody>
+      </p:sp>
+      <p:pic>
+        <p:nvPicPr>
+          <p:cNvPr id="4" name="Content Placeholder 3">
+            <a:extLst>
+              <a:ext uri="{FF2B5EF4-FFF2-40B4-BE49-F238E27FC236}">
+                <a16:creationId xmlns:a16="http://schemas.microsoft.com/office/drawing/2014/main" id="{8CA17D31-17DD-8642-666F-FDC8EAF50A8E}"/>
+              </a:ext>
+            </a:extLst>
+          </p:cNvPr>
+          <p:cNvPicPr>
+            <a:picLocks noGrp="1" noChangeAspect="1"/>
+          </p:cNvPicPr>
+          <p:nvPr>
+            <p:ph idx="1"/>
+          </p:nvPr>
+        </p:nvPicPr>
+        <p:blipFill>
+          <a:blip r:embed="rId2">
+            <a:extLst>
+              <a:ext uri="{28A0092B-C50C-407E-A947-70E740481C1C}">
+                <a14:useLocalDpi xmlns:a14="http://schemas.microsoft.com/office/drawing/2010/main" val="0"/>
+              </a:ext>
+            </a:extLst>
+          </a:blip>
+          <a:stretch>
+            <a:fillRect/>
+          </a:stretch>
+        </p:blipFill>
+        <p:spPr>
+          <a:xfrm>
+            <a:off x="1536161" y="1690688"/>
+            <a:ext cx="4559839" cy="4458401"/>
+          </a:xfrm>
+        </p:spPr>
+      </p:pic>
+    </p:spTree>
+    <p:extLst>
+      <p:ext uri="{BB962C8B-B14F-4D97-AF65-F5344CB8AC3E}">
+        <p14:creationId xmlns:p14="http://schemas.microsoft.com/office/powerpoint/2010/main" val="4056969531"/>
+      </p:ext>
+    </p:extLst>
+  </p:cSld>
+  <p:clrMapOvr>
+    <a:masterClrMapping/>
+  </p:clrMapOvr>
+</p:sld>
+</file>
+
+<file path=ppt/slides/slide2.xml><?xml version="1.0" encoding="utf-8"?>
+<p:sld xmlns:a="http://schemas.openxmlformats.org/drawingml/2006/main" xmlns:r="http://schemas.openxmlformats.org/officeDocument/2006/relationships" xmlns:p="http://schemas.openxmlformats.org/presentationml/2006/main">
+  <p:cSld>
+    <p:spTree>
+      <p:nvGrpSpPr>
+        <p:cNvPr id="1" name=""/>
+        <p:cNvGrpSpPr/>
+        <p:nvPr/>
+      </p:nvGrpSpPr>
+      <p:grpSpPr>
+        <a:xfrm>
+          <a:off x="0" y="0"/>
+          <a:ext cx="0" cy="0"/>
+          <a:chOff x="0" y="0"/>
+          <a:chExt cx="0" cy="0"/>
+        </a:xfrm>
+      </p:grpSpPr>
+      <p:sp>
+        <p:nvSpPr>
+          <p:cNvPr id="2" name="Title 1"/>
+          <p:cNvSpPr>
+            <a:spLocks noGrp="1"/>
+          </p:cNvSpPr>
+          <p:nvPr>
+            <p:ph type="title"/>
+          </p:nvPr>
+        </p:nvSpPr>
+        <p:spPr/>
+        <p:txBody>
+          <a:bodyPr/>
+          <a:lstStyle/>
+          <a:p>
+            <a:r>
+              <a:t>Tyrimo tikslas</a:t>
+            </a:r>
+          </a:p>
+        </p:txBody>
+      </p:sp>
+      <p:sp>
+        <p:nvSpPr>
+          <p:cNvPr id="3" name="Content Placeholder 2"/>
+          <p:cNvSpPr>
+            <a:spLocks noGrp="1"/>
+          </p:cNvSpPr>
+          <p:nvPr>
+            <p:ph idx="1"/>
+          </p:nvPr>
+        </p:nvSpPr>
+        <p:spPr/>
+        <p:txBody>
+          <a:bodyPr/>
+          <a:lstStyle/>
+          <a:p>
+            <a:r>
+              <a:rPr dirty="0" err="1"/>
+              <a:t>Ištirti</a:t>
+            </a:r>
+            <a:r>
+              <a:rPr dirty="0"/>
+              <a:t> </a:t>
+            </a:r>
+            <a:r>
+              <a:rPr dirty="0" err="1"/>
+              <a:t>visuomenės</a:t>
+            </a:r>
+            <a:r>
+              <a:rPr dirty="0"/>
+              <a:t> </a:t>
+            </a:r>
+            <a:r>
+              <a:rPr dirty="0" err="1"/>
+              <a:t>požiūrį</a:t>
+            </a:r>
+            <a:r>
+              <a:rPr dirty="0"/>
+              <a:t> į </a:t>
+            </a:r>
+            <a:r>
+              <a:rPr dirty="0" err="1"/>
+              <a:t>dirbtinį</a:t>
+            </a:r>
+            <a:r>
+              <a:rPr dirty="0"/>
+              <a:t> </a:t>
+            </a:r>
+            <a:r>
+              <a:rPr dirty="0" err="1"/>
+              <a:t>intelektą</a:t>
+            </a:r>
+            <a:r>
+              <a:rPr dirty="0"/>
+              <a:t> </a:t>
+            </a:r>
+            <a:r>
+              <a:rPr lang="lt-LT" dirty="0"/>
+              <a:t>A</a:t>
+            </a:r>
+            <a:r>
+              <a:rPr dirty="0"/>
+              <a:t>I) </a:t>
+            </a:r>
+            <a:r>
+              <a:rPr dirty="0" err="1"/>
+              <a:t>ir</a:t>
+            </a:r>
+            <a:r>
+              <a:rPr dirty="0"/>
+              <a:t> jo </a:t>
+            </a:r>
+            <a:r>
+              <a:rPr dirty="0" err="1"/>
+              <a:t>poveikį</a:t>
+            </a:r>
+            <a:r>
+              <a:rPr dirty="0"/>
+              <a:t> </a:t>
+            </a:r>
+            <a:r>
+              <a:rPr dirty="0" err="1"/>
+              <a:t>žmonių</a:t>
+            </a:r>
+            <a:r>
+              <a:rPr dirty="0"/>
+              <a:t> </a:t>
+            </a:r>
+            <a:r>
+              <a:rPr dirty="0" err="1"/>
+              <a:t>gyvenimui</a:t>
+            </a:r>
+            <a:r>
+              <a:rPr dirty="0"/>
+              <a:t>, </a:t>
+            </a:r>
+            <a:r>
+              <a:rPr dirty="0" err="1"/>
+              <a:t>darbui</a:t>
+            </a:r>
+            <a:r>
+              <a:rPr dirty="0"/>
+              <a:t> </a:t>
+            </a:r>
+            <a:r>
+              <a:rPr dirty="0" err="1"/>
+              <a:t>ir</a:t>
+            </a:r>
+            <a:r>
+              <a:rPr dirty="0"/>
+              <a:t> </a:t>
+            </a:r>
+            <a:r>
+              <a:rPr dirty="0" err="1"/>
+              <a:t>mokymuisi</a:t>
+            </a:r>
+            <a:r>
+              <a:rPr dirty="0"/>
+              <a:t>.</a:t>
+            </a:r>
+            <a:endParaRPr lang="en-GB" dirty="0"/>
+          </a:p>
+          <a:p>
+            <a:pPr marL="0" indent="0">
+              <a:buNone/>
+            </a:pPr>
+            <a:endParaRPr lang="en-GB" dirty="0"/>
+          </a:p>
+        </p:txBody>
+      </p:sp>
+    </p:spTree>
+  </p:cSld>
+  <p:clrMapOvr>
+    <a:masterClrMapping/>
+  </p:clrMapOvr>
+</p:sld>
+</file>
+
+<file path=ppt/slides/slide20.xml><?xml version="1.0" encoding="utf-8"?>
+<p:sld xmlns:a="http://schemas.openxmlformats.org/drawingml/2006/main" xmlns:r="http://schemas.openxmlformats.org/officeDocument/2006/relationships" xmlns:p="http://schemas.openxmlformats.org/presentationml/2006/main">
+  <p:cSld>
+    <p:spTree>
+      <p:nvGrpSpPr>
+        <p:cNvPr id="1" name=""/>
+        <p:cNvGrpSpPr/>
+        <p:nvPr/>
+      </p:nvGrpSpPr>
+      <p:grpSpPr>
+        <a:xfrm>
+          <a:off x="0" y="0"/>
+          <a:ext cx="0" cy="0"/>
+          <a:chOff x="0" y="0"/>
+          <a:chExt cx="0" cy="0"/>
+        </a:xfrm>
+      </p:grpSpPr>
+      <p:sp>
+        <p:nvSpPr>
+          <p:cNvPr id="2" name="Title 1">
+            <a:extLst>
+              <a:ext uri="{FF2B5EF4-FFF2-40B4-BE49-F238E27FC236}">
                 <a16:creationId xmlns:a16="http://schemas.microsoft.com/office/drawing/2014/main" id="{1D4D4EF2-B5AF-48BA-A806-C2DD83590463}"/>
               </a:ext>
             </a:extLst>
@@ -4987,7 +5368,7 @@
 </p:sld>
 </file>
 
-<file path=ppt/slides/slide19.xml><?xml version="1.0" encoding="utf-8"?>
+<file path=ppt/slides/slide21.xml><?xml version="1.0" encoding="utf-8"?>
 <p:sld xmlns:a="http://schemas.openxmlformats.org/drawingml/2006/main" xmlns:r="http://schemas.openxmlformats.org/officeDocument/2006/relationships" xmlns:p="http://schemas.openxmlformats.org/presentationml/2006/main">
   <p:cSld>
     <p:spTree>
@@ -5130,182 +5511,7 @@
 </p:sld>
 </file>
 
-<file path=ppt/slides/slide2.xml><?xml version="1.0" encoding="utf-8"?>
-<p:sld xmlns:a="http://schemas.openxmlformats.org/drawingml/2006/main" xmlns:r="http://schemas.openxmlformats.org/officeDocument/2006/relationships" xmlns:p="http://schemas.openxmlformats.org/presentationml/2006/main">
-  <p:cSld>
-    <p:spTree>
-      <p:nvGrpSpPr>
-        <p:cNvPr id="1" name=""/>
-        <p:cNvGrpSpPr/>
-        <p:nvPr/>
-      </p:nvGrpSpPr>
-      <p:grpSpPr>
-        <a:xfrm>
-          <a:off x="0" y="0"/>
-          <a:ext cx="0" cy="0"/>
-          <a:chOff x="0" y="0"/>
-          <a:chExt cx="0" cy="0"/>
-        </a:xfrm>
-      </p:grpSpPr>
-      <p:sp>
-        <p:nvSpPr>
-          <p:cNvPr id="2" name="Title 1"/>
-          <p:cNvSpPr>
-            <a:spLocks noGrp="1"/>
-          </p:cNvSpPr>
-          <p:nvPr>
-            <p:ph type="title"/>
-          </p:nvPr>
-        </p:nvSpPr>
-        <p:spPr/>
-        <p:txBody>
-          <a:bodyPr/>
-          <a:lstStyle/>
-          <a:p>
-            <a:r>
-              <a:t>Tyrimo tikslas</a:t>
-            </a:r>
-          </a:p>
-        </p:txBody>
-      </p:sp>
-      <p:sp>
-        <p:nvSpPr>
-          <p:cNvPr id="3" name="Content Placeholder 2"/>
-          <p:cNvSpPr>
-            <a:spLocks noGrp="1"/>
-          </p:cNvSpPr>
-          <p:nvPr>
-            <p:ph idx="1"/>
-          </p:nvPr>
-        </p:nvSpPr>
-        <p:spPr/>
-        <p:txBody>
-          <a:bodyPr/>
-          <a:lstStyle/>
-          <a:p>
-            <a:r>
-              <a:rPr dirty="0" err="1"/>
-              <a:t>Ištirti</a:t>
-            </a:r>
-            <a:r>
-              <a:rPr dirty="0"/>
-              <a:t> </a:t>
-            </a:r>
-            <a:r>
-              <a:rPr dirty="0" err="1"/>
-              <a:t>visuomenės</a:t>
-            </a:r>
-            <a:r>
-              <a:rPr dirty="0"/>
-              <a:t> </a:t>
-            </a:r>
-            <a:r>
-              <a:rPr dirty="0" err="1"/>
-              <a:t>požiūrį</a:t>
-            </a:r>
-            <a:r>
-              <a:rPr dirty="0"/>
-              <a:t> į </a:t>
-            </a:r>
-            <a:r>
-              <a:rPr dirty="0" err="1"/>
-              <a:t>dirbtinį</a:t>
-            </a:r>
-            <a:r>
-              <a:rPr dirty="0"/>
-              <a:t> </a:t>
-            </a:r>
-            <a:r>
-              <a:rPr dirty="0" err="1"/>
-              <a:t>intelektą</a:t>
-            </a:r>
-            <a:r>
-              <a:rPr dirty="0"/>
-              <a:t> </a:t>
-            </a:r>
-            <a:r>
-              <a:rPr lang="lt-LT" dirty="0"/>
-              <a:t>A</a:t>
-            </a:r>
-            <a:r>
-              <a:rPr dirty="0"/>
-              <a:t>I) </a:t>
-            </a:r>
-            <a:r>
-              <a:rPr dirty="0" err="1"/>
-              <a:t>ir</a:t>
-            </a:r>
-            <a:r>
-              <a:rPr dirty="0"/>
-              <a:t> jo </a:t>
-            </a:r>
-            <a:r>
-              <a:rPr dirty="0" err="1"/>
-              <a:t>poveikį</a:t>
-            </a:r>
-            <a:r>
-              <a:rPr dirty="0"/>
-              <a:t> </a:t>
-            </a:r>
-            <a:r>
-              <a:rPr dirty="0" err="1"/>
-              <a:t>žmonių</a:t>
-            </a:r>
-            <a:r>
-              <a:rPr dirty="0"/>
-              <a:t> </a:t>
-            </a:r>
-            <a:r>
-              <a:rPr dirty="0" err="1"/>
-              <a:t>gyvenimui</a:t>
-            </a:r>
-            <a:r>
-              <a:rPr dirty="0"/>
-              <a:t>, </a:t>
-            </a:r>
-            <a:r>
-              <a:rPr dirty="0" err="1"/>
-              <a:t>darbui</a:t>
-            </a:r>
-            <a:r>
-              <a:rPr dirty="0"/>
-              <a:t> </a:t>
-            </a:r>
-            <a:r>
-              <a:rPr dirty="0" err="1"/>
-              <a:t>ir</a:t>
-            </a:r>
-            <a:r>
-              <a:rPr dirty="0"/>
-              <a:t> </a:t>
-            </a:r>
-            <a:r>
-              <a:rPr dirty="0" err="1"/>
-              <a:t>mokymuisi</a:t>
-            </a:r>
-            <a:r>
-              <a:rPr dirty="0"/>
-              <a:t>.</a:t>
-            </a:r>
-            <a:endParaRPr lang="en-GB" dirty="0"/>
-          </a:p>
-          <a:p>
-            <a:pPr marL="0" indent="0">
-              <a:buNone/>
-            </a:pPr>
-            <a:endParaRPr lang="en-GB" dirty="0"/>
-          </a:p>
-        </p:txBody>
-      </p:sp>
-    </p:spTree>
-  </p:cSld>
-  <p:clrMapOvr>
-    <a:masterClrMapping/>
-  </p:clrMapOvr>
-</p:sld>
-</file>
-
-<file path=ppt/slides/slide20.xml><?xml version="1.0" encoding="utf-8"?>
+<file path=ppt/slides/slide22.xml><?xml version="1.0" encoding="utf-8"?>
 <p:sld xmlns:a="http://schemas.openxmlformats.org/drawingml/2006/main" xmlns:r="http://schemas.openxmlformats.org/officeDocument/2006/relationships" xmlns:p="http://schemas.openxmlformats.org/presentationml/2006/main">
   <p:cSld>
     <p:spTree>
@@ -5448,7 +5654,7 @@
 </p:sld>
 </file>
 
-<file path=ppt/slides/slide21.xml><?xml version="1.0" encoding="utf-8"?>
+<file path=ppt/slides/slide23.xml><?xml version="1.0" encoding="utf-8"?>
 <p:sld xmlns:a="http://schemas.openxmlformats.org/drawingml/2006/main" xmlns:r="http://schemas.openxmlformats.org/officeDocument/2006/relationships" xmlns:p="http://schemas.openxmlformats.org/presentationml/2006/main">
   <p:cSld>
     <p:spTree>
@@ -5591,7 +5797,7 @@
 </p:sld>
 </file>
 
-<file path=ppt/slides/slide22.xml><?xml version="1.0" encoding="utf-8"?>
+<file path=ppt/slides/slide24.xml><?xml version="1.0" encoding="utf-8"?>
 <p:sld xmlns:a="http://schemas.openxmlformats.org/drawingml/2006/main" xmlns:r="http://schemas.openxmlformats.org/officeDocument/2006/relationships" xmlns:p="http://schemas.openxmlformats.org/presentationml/2006/main">
   <p:cSld>
     <p:spTree>
@@ -5689,7 +5895,7 @@
 </p:sld>
 </file>
 
-<file path=ppt/slides/slide23.xml><?xml version="1.0" encoding="utf-8"?>
+<file path=ppt/slides/slide25.xml><?xml version="1.0" encoding="utf-8"?>
 <p:sld xmlns:a="http://schemas.openxmlformats.org/drawingml/2006/main" xmlns:r="http://schemas.openxmlformats.org/officeDocument/2006/relationships" xmlns:p="http://schemas.openxmlformats.org/presentationml/2006/main">
   <p:cSld>
     <p:spTree>
@@ -7026,6 +7232,15 @@
 </file>
 
 <file path=customXml/item1.xml><?xml version="1.0" encoding="utf-8"?>
+<?mso-contentType ?>
+<FormTemplates xmlns="http://schemas.microsoft.com/sharepoint/v3/contenttype/forms">
+  <Display>DocumentLibraryForm</Display>
+  <Edit>DocumentLibraryForm</Edit>
+  <New>DocumentLibraryForm</New>
+</FormTemplates>
+</file>
+
+<file path=customXml/item2.xml><?xml version="1.0" encoding="utf-8"?>
 <ct:contentTypeSchema xmlns:ct="http://schemas.microsoft.com/office/2006/metadata/contentType" xmlns:ma="http://schemas.microsoft.com/office/2006/metadata/properties/metaAttributes" ct:_="" ma:_="" ma:contentTypeName="Document" ma:contentTypeID="0x010100A4931DFCC9BC6B4D812DF8F67DF15900" ma:contentTypeVersion="18" ma:contentTypeDescription="Create a new document." ma:contentTypeScope="" ma:versionID="1500be919dd62d71e25156b5e39c874d">
   <xsd:schema xmlns:xsd="http://www.w3.org/2001/XMLSchema" xmlns:xs="http://www.w3.org/2001/XMLSchema" xmlns:p="http://schemas.microsoft.com/office/2006/metadata/properties" xmlns:ns3="b92ea931-a124-43a6-b694-04f0afbb4f0a" xmlns:ns4="412e92c6-d7c6-4b01-bc13-bf9fdc893b7a" targetNamespace="http://schemas.microsoft.com/office/2006/metadata/properties" ma:root="true" ma:fieldsID="a48f2632c92b202eb9fde468659e2c0f" ns3:_="" ns4:_="">
     <xsd:import namespace="b92ea931-a124-43a6-b694-04f0afbb4f0a"/>
@@ -7278,15 +7493,6 @@
 </ct:contentTypeSchema>
 </file>
 
-<file path=customXml/item2.xml><?xml version="1.0" encoding="utf-8"?>
-<?mso-contentType ?>
-<FormTemplates xmlns="http://schemas.microsoft.com/sharepoint/v3/contenttype/forms">
-  <Display>DocumentLibraryForm</Display>
-  <Edit>DocumentLibraryForm</Edit>
-  <New>DocumentLibraryForm</New>
-</FormTemplates>
-</file>
-
 <file path=customXml/item3.xml><?xml version="1.0" encoding="utf-8"?>
 <p:properties xmlns:p="http://schemas.microsoft.com/office/2006/metadata/properties" xmlns:xsi="http://www.w3.org/2001/XMLSchema-instance" xmlns:pc="http://schemas.microsoft.com/office/infopath/2007/PartnerControls">
   <documentManagement>
@@ -7296,6 +7502,14 @@
 </file>
 
 <file path=customXml/itemProps1.xml><?xml version="1.0" encoding="utf-8"?>
+<ds:datastoreItem xmlns:ds="http://schemas.openxmlformats.org/officeDocument/2006/customXml" ds:itemID="{41FF80C7-AFA0-4FCE-9870-5301C3E98722}">
+  <ds:schemaRefs>
+    <ds:schemaRef ds:uri="http://schemas.microsoft.com/sharepoint/v3/contenttype/forms"/>
+  </ds:schemaRefs>
+</ds:datastoreItem>
+</file>
+
+<file path=customXml/itemProps2.xml><?xml version="1.0" encoding="utf-8"?>
 <ds:datastoreItem xmlns:ds="http://schemas.openxmlformats.org/officeDocument/2006/customXml" ds:itemID="{AFE316E9-91C0-4D36-8DDE-661E7E1AAE4E}">
   <ds:schemaRefs>
     <ds:schemaRef ds:uri="http://schemas.microsoft.com/office/2006/metadata/contentType"/>
@@ -7304,14 +7518,6 @@
     <ds:schemaRef ds:uri="http://www.w3.org/2001/XMLSchema"/>
     <ds:schemaRef ds:uri="b92ea931-a124-43a6-b694-04f0afbb4f0a"/>
     <ds:schemaRef ds:uri="412e92c6-d7c6-4b01-bc13-bf9fdc893b7a"/>
-  </ds:schemaRefs>
-</ds:datastoreItem>
-</file>
-
-<file path=customXml/itemProps2.xml><?xml version="1.0" encoding="utf-8"?>
-<ds:datastoreItem xmlns:ds="http://schemas.openxmlformats.org/officeDocument/2006/customXml" ds:itemID="{41FF80C7-AFA0-4FCE-9870-5301C3E98722}">
-  <ds:schemaRefs>
-    <ds:schemaRef ds:uri="http://schemas.microsoft.com/sharepoint/v3/contenttype/forms"/>
   </ds:schemaRefs>
 </ds:datastoreItem>
 </file>
